--- a/Presentation.pptx
+++ b/Presentation.pptx
@@ -5377,13 +5377,8 @@
           <a:p>
             <a:r>
               <a:rPr lang="en-US" dirty="0"/>
-              <a:t>By Eric Buehler (</a:t>
-            </a:r>
-            <a:r>
-              <a:rPr lang="en-US"/>
-              <a:t>larger fonts)  </a:t>
-            </a:r>
-            <a:endParaRPr lang="en-US" dirty="0"/>
+              <a:t>By Eric Buehler (larger fonts)  </a:t>
+            </a:r>
           </a:p>
         </p:txBody>
       </p:sp>

--- a/Presentation.pptx
+++ b/Presentation.pptx
@@ -10,9 +10,19 @@
     <p:sldId id="258" r:id="rId4"/>
     <p:sldId id="259" r:id="rId5"/>
     <p:sldId id="260" r:id="rId6"/>
-    <p:sldId id="262" r:id="rId7"/>
-    <p:sldId id="263" r:id="rId8"/>
-    <p:sldId id="264" r:id="rId9"/>
+    <p:sldId id="267" r:id="rId7"/>
+    <p:sldId id="268" r:id="rId8"/>
+    <p:sldId id="271" r:id="rId9"/>
+    <p:sldId id="269" r:id="rId10"/>
+    <p:sldId id="265" r:id="rId11"/>
+    <p:sldId id="273" r:id="rId12"/>
+    <p:sldId id="272" r:id="rId13"/>
+    <p:sldId id="274" r:id="rId14"/>
+    <p:sldId id="275" r:id="rId15"/>
+    <p:sldId id="278" r:id="rId16"/>
+    <p:sldId id="276" r:id="rId17"/>
+    <p:sldId id="263" r:id="rId18"/>
+    <p:sldId id="264" r:id="rId19"/>
   </p:sldIdLst>
   <p:sldSz cx="12192000" cy="6858000"/>
   <p:notesSz cx="6858000" cy="9144000"/>
@@ -111,6 +121,11 @@
       </a:defRPr>
     </a:lvl9pPr>
   </p:defaultTextStyle>
+  <p:extLst>
+    <p:ext uri="{EFAFB233-063F-42B5-8137-9DF3F51BA10A}">
+      <p15:sldGuideLst xmlns:p15="http://schemas.microsoft.com/office/powerpoint/2012/main"/>
+    </p:ext>
+  </p:extLst>
 </p:presentation>
 </file>
 
@@ -306,7 +321,7 @@
             <a:fld id="{B61BEF0D-F0BB-DE4B-95CE-6DB70DBA9567}" type="datetimeFigureOut">
               <a:rPr lang="en-US" dirty="0"/>
               <a:pPr/>
-              <a:t>4/11/2019</a:t>
+              <a:t>5/2/2019</a:t>
             </a:fld>
             <a:endParaRPr lang="en-US" dirty="0"/>
           </a:p>
@@ -739,7 +754,7 @@
             <a:fld id="{B61BEF0D-F0BB-DE4B-95CE-6DB70DBA9567}" type="datetimeFigureOut">
               <a:rPr lang="en-US" dirty="0"/>
               <a:pPr/>
-              <a:t>4/11/2019</a:t>
+              <a:t>5/2/2019</a:t>
             </a:fld>
             <a:endParaRPr lang="en-US" dirty="0"/>
           </a:p>
@@ -986,7 +1001,7 @@
             <a:fld id="{B61BEF0D-F0BB-DE4B-95CE-6DB70DBA9567}" type="datetimeFigureOut">
               <a:rPr lang="en-US" dirty="0"/>
               <a:pPr/>
-              <a:t>4/11/2019</a:t>
+              <a:t>5/2/2019</a:t>
             </a:fld>
             <a:endParaRPr lang="en-US" dirty="0"/>
           </a:p>
@@ -1291,7 +1306,7 @@
             <a:fld id="{B61BEF0D-F0BB-DE4B-95CE-6DB70DBA9567}" type="datetimeFigureOut">
               <a:rPr lang="en-US" dirty="0"/>
               <a:pPr/>
-              <a:t>4/11/2019</a:t>
+              <a:t>5/2/2019</a:t>
             </a:fld>
             <a:endParaRPr lang="en-US" dirty="0"/>
           </a:p>
@@ -1606,7 +1621,7 @@
             <a:fld id="{B61BEF0D-F0BB-DE4B-95CE-6DB70DBA9567}" type="datetimeFigureOut">
               <a:rPr lang="en-US" dirty="0"/>
               <a:pPr/>
-              <a:t>4/11/2019</a:t>
+              <a:t>5/2/2019</a:t>
             </a:fld>
             <a:endParaRPr lang="en-US" dirty="0"/>
           </a:p>
@@ -1905,7 +1920,7 @@
             <a:fld id="{B61BEF0D-F0BB-DE4B-95CE-6DB70DBA9567}" type="datetimeFigureOut">
               <a:rPr lang="en-US" dirty="0"/>
               <a:pPr/>
-              <a:t>4/11/2019</a:t>
+              <a:t>5/2/2019</a:t>
             </a:fld>
             <a:endParaRPr lang="en-US" dirty="0"/>
           </a:p>
@@ -2269,7 +2284,7 @@
             <a:fld id="{B61BEF0D-F0BB-DE4B-95CE-6DB70DBA9567}" type="datetimeFigureOut">
               <a:rPr lang="en-US" dirty="0"/>
               <a:pPr/>
-              <a:t>4/11/2019</a:t>
+              <a:t>5/2/2019</a:t>
             </a:fld>
             <a:endParaRPr lang="en-US" dirty="0"/>
           </a:p>
@@ -2440,7 +2455,7 @@
             <a:fld id="{B61BEF0D-F0BB-DE4B-95CE-6DB70DBA9567}" type="datetimeFigureOut">
               <a:rPr lang="en-US" dirty="0"/>
               <a:pPr/>
-              <a:t>4/11/2019</a:t>
+              <a:t>5/2/2019</a:t>
             </a:fld>
             <a:endParaRPr lang="en-US" dirty="0"/>
           </a:p>
@@ -2617,7 +2632,7 @@
             <a:fld id="{B61BEF0D-F0BB-DE4B-95CE-6DB70DBA9567}" type="datetimeFigureOut">
               <a:rPr lang="en-US" dirty="0"/>
               <a:pPr/>
-              <a:t>4/11/2019</a:t>
+              <a:t>5/2/2019</a:t>
             </a:fld>
             <a:endParaRPr lang="en-US" dirty="0"/>
           </a:p>
@@ -2784,7 +2799,7 @@
             <a:fld id="{B61BEF0D-F0BB-DE4B-95CE-6DB70DBA9567}" type="datetimeFigureOut">
               <a:rPr lang="en-US" dirty="0"/>
               <a:pPr/>
-              <a:t>4/11/2019</a:t>
+              <a:t>5/2/2019</a:t>
             </a:fld>
             <a:endParaRPr lang="en-US" dirty="0"/>
           </a:p>
@@ -3031,7 +3046,7 @@
             <a:fld id="{B61BEF0D-F0BB-DE4B-95CE-6DB70DBA9567}" type="datetimeFigureOut">
               <a:rPr lang="en-US" dirty="0"/>
               <a:pPr/>
-              <a:t>4/11/2019</a:t>
+              <a:t>5/2/2019</a:t>
             </a:fld>
             <a:endParaRPr lang="en-US" dirty="0"/>
           </a:p>
@@ -3264,7 +3279,7 @@
             <a:fld id="{B61BEF0D-F0BB-DE4B-95CE-6DB70DBA9567}" type="datetimeFigureOut">
               <a:rPr lang="en-US" dirty="0"/>
               <a:pPr/>
-              <a:t>4/11/2019</a:t>
+              <a:t>5/2/2019</a:t>
             </a:fld>
             <a:endParaRPr lang="en-US" dirty="0"/>
           </a:p>
@@ -3643,7 +3658,7 @@
             <a:fld id="{B61BEF0D-F0BB-DE4B-95CE-6DB70DBA9567}" type="datetimeFigureOut">
               <a:rPr lang="en-US" dirty="0"/>
               <a:pPr/>
-              <a:t>4/11/2019</a:t>
+              <a:t>5/2/2019</a:t>
             </a:fld>
             <a:endParaRPr lang="en-US" dirty="0"/>
           </a:p>
@@ -3758,7 +3773,7 @@
             <a:fld id="{B61BEF0D-F0BB-DE4B-95CE-6DB70DBA9567}" type="datetimeFigureOut">
               <a:rPr lang="en-US" dirty="0"/>
               <a:pPr/>
-              <a:t>4/11/2019</a:t>
+              <a:t>5/2/2019</a:t>
             </a:fld>
             <a:endParaRPr lang="en-US" dirty="0"/>
           </a:p>
@@ -3850,7 +3865,7 @@
             <a:fld id="{B61BEF0D-F0BB-DE4B-95CE-6DB70DBA9567}" type="datetimeFigureOut">
               <a:rPr lang="en-US" dirty="0"/>
               <a:pPr/>
-              <a:t>4/11/2019</a:t>
+              <a:t>5/2/2019</a:t>
             </a:fld>
             <a:endParaRPr lang="en-US" dirty="0"/>
           </a:p>
@@ -4102,7 +4117,7 @@
             <a:fld id="{B61BEF0D-F0BB-DE4B-95CE-6DB70DBA9567}" type="datetimeFigureOut">
               <a:rPr lang="en-US" dirty="0"/>
               <a:pPr/>
-              <a:t>4/11/2019</a:t>
+              <a:t>5/2/2019</a:t>
             </a:fld>
             <a:endParaRPr lang="en-US" dirty="0"/>
           </a:p>
@@ -4382,7 +4397,7 @@
             <a:fld id="{B61BEF0D-F0BB-DE4B-95CE-6DB70DBA9567}" type="datetimeFigureOut">
               <a:rPr lang="en-US" dirty="0"/>
               <a:pPr/>
-              <a:t>4/11/2019</a:t>
+              <a:t>5/2/2019</a:t>
             </a:fld>
             <a:endParaRPr lang="en-US" dirty="0"/>
           </a:p>
@@ -4785,7 +4800,7 @@
             <a:fld id="{B61BEF0D-F0BB-DE4B-95CE-6DB70DBA9567}" type="datetimeFigureOut">
               <a:rPr lang="en-US" dirty="0"/>
               <a:pPr/>
-              <a:t>4/11/2019</a:t>
+              <a:t>5/2/2019</a:t>
             </a:fld>
             <a:endParaRPr lang="en-US" dirty="0"/>
           </a:p>
@@ -5334,12 +5349,18 @@
         </p:nvSpPr>
         <p:spPr/>
         <p:txBody>
-          <a:bodyPr/>
-          <a:lstStyle/>
-          <a:p>
+          <a:bodyPr>
+            <a:normAutofit/>
+          </a:bodyPr>
+          <a:lstStyle/>
+          <a:p>
+            <a:r>
+              <a:rPr lang="en-US" sz="4000" dirty="0"/>
+              <a:t>Rethinking the Application of Technology in Hypertension Control </a:t>
+            </a:r>
             <a:r>
               <a:rPr lang="en-US" dirty="0"/>
-              <a:t>Machine Learning in Hypertension control 	</a:t>
+              <a:t>	</a:t>
             </a:r>
             <a:endParaRPr lang="en-US" sz="2800" dirty="0">
               <a:latin typeface="+mn-lt"/>
@@ -5362,7 +5383,7 @@
         <p:spPr>
           <a:xfrm>
             <a:off x="684212" y="3657600"/>
-            <a:ext cx="2032987" cy="646331"/>
+            <a:ext cx="3461660" cy="584775"/>
           </a:xfrm>
           <a:prstGeom prst="rect">
             <a:avLst/>
@@ -5376,8 +5397,8 @@
           <a:lstStyle/>
           <a:p>
             <a:r>
-              <a:rPr lang="en-US" dirty="0"/>
-              <a:t>By Eric Buehler (larger fonts)  </a:t>
+              <a:rPr lang="en-US" sz="3200" dirty="0"/>
+              <a:t>By Eric Buehler</a:t>
             </a:r>
           </a:p>
         </p:txBody>
@@ -5386,6 +5407,1968 @@
     <p:extLst>
       <p:ext uri="{BB962C8B-B14F-4D97-AF65-F5344CB8AC3E}">
         <p14:creationId xmlns:p14="http://schemas.microsoft.com/office/powerpoint/2010/main" val="3211243092"/>
+      </p:ext>
+    </p:extLst>
+  </p:cSld>
+  <p:clrMapOvr>
+    <a:masterClrMapping/>
+  </p:clrMapOvr>
+</p:sld>
+</file>
+
+<file path=ppt/slides/slide10.xml><?xml version="1.0" encoding="utf-8"?>
+<p:sld xmlns:a="http://schemas.openxmlformats.org/drawingml/2006/main" xmlns:r="http://schemas.openxmlformats.org/officeDocument/2006/relationships" xmlns:p="http://schemas.openxmlformats.org/presentationml/2006/main">
+  <p:cSld>
+    <p:bg>
+      <p:bgPr>
+        <a:solidFill>
+          <a:schemeClr val="bg1"/>
+        </a:solidFill>
+        <a:effectLst/>
+      </p:bgPr>
+    </p:bg>
+    <p:spTree>
+      <p:nvGrpSpPr>
+        <p:cNvPr id="1" name=""/>
+        <p:cNvGrpSpPr/>
+        <p:nvPr/>
+      </p:nvGrpSpPr>
+      <p:grpSpPr>
+        <a:xfrm>
+          <a:off x="0" y="0"/>
+          <a:ext cx="0" cy="0"/>
+          <a:chOff x="0" y="0"/>
+          <a:chExt cx="0" cy="0"/>
+        </a:xfrm>
+      </p:grpSpPr>
+      <p:sp>
+        <p:nvSpPr>
+          <p:cNvPr id="15" name="Rectangle 14">
+            <a:extLst>
+              <a:ext uri="{FF2B5EF4-FFF2-40B4-BE49-F238E27FC236}">
+                <a16:creationId xmlns:a16="http://schemas.microsoft.com/office/drawing/2014/main" id="{D2600CBB-0CF8-4237-8491-B7864363D2AE}"/>
+              </a:ext>
+              <a:ext uri="{C183D7F6-B498-43B3-948B-1728B52AA6E4}">
+                <adec:decorative xmlns:adec="http://schemas.microsoft.com/office/drawing/2017/decorative" val="1"/>
+              </a:ext>
+            </a:extLst>
+          </p:cNvPr>
+          <p:cNvSpPr>
+            <a:spLocks noGrp="1" noRot="1" noChangeAspect="1" noMove="1" noResize="1" noEditPoints="1" noAdjustHandles="1" noChangeArrowheads="1" noChangeShapeType="1" noTextEdit="1"/>
+          </p:cNvSpPr>
+          <p:nvPr>
+            <p:extLst>
+              <p:ext uri="{386F3935-93C4-4BCD-93E2-E3B085C9AB24}">
+                <p16:designElem xmlns:p16="http://schemas.microsoft.com/office/powerpoint/2015/main" val="1"/>
+              </p:ext>
+            </p:extLst>
+          </p:nvPr>
+        </p:nvSpPr>
+        <p:spPr>
+          <a:xfrm>
+            <a:off x="0" y="0"/>
+            <a:ext cx="12192000" cy="6858000"/>
+          </a:xfrm>
+          <a:prstGeom prst="rect">
+            <a:avLst/>
+          </a:prstGeom>
+          <a:gradFill>
+            <a:gsLst>
+              <a:gs pos="10000">
+                <a:schemeClr val="dk2">
+                  <a:tint val="97000"/>
+                  <a:hueMod val="92000"/>
+                  <a:satMod val="169000"/>
+                  <a:lumMod val="164000"/>
+                </a:schemeClr>
+              </a:gs>
+              <a:gs pos="100000">
+                <a:schemeClr val="dk2">
+                  <a:shade val="96000"/>
+                  <a:satMod val="120000"/>
+                  <a:lumMod val="90000"/>
+                </a:schemeClr>
+              </a:gs>
+            </a:gsLst>
+            <a:lin ang="6120000" scaled="1"/>
+          </a:gradFill>
+          <a:ln>
+            <a:noFill/>
+          </a:ln>
+        </p:spPr>
+        <p:style>
+          <a:lnRef idx="2">
+            <a:schemeClr val="accent1">
+              <a:shade val="50000"/>
+            </a:schemeClr>
+          </a:lnRef>
+          <a:fillRef idx="1002">
+            <a:schemeClr val="dk2"/>
+          </a:fillRef>
+          <a:effectRef idx="0">
+            <a:schemeClr val="accent1"/>
+          </a:effectRef>
+          <a:fontRef idx="minor">
+            <a:schemeClr val="lt1"/>
+          </a:fontRef>
+        </p:style>
+        <p:txBody>
+          <a:bodyPr rtlCol="0" anchor="ctr"/>
+          <a:lstStyle/>
+          <a:p>
+            <a:pPr algn="ctr"/>
+            <a:endParaRPr lang="en-US"/>
+          </a:p>
+        </p:txBody>
+      </p:sp>
+      <p:sp>
+        <p:nvSpPr>
+          <p:cNvPr id="2" name="Title 1">
+            <a:extLst>
+              <a:ext uri="{FF2B5EF4-FFF2-40B4-BE49-F238E27FC236}">
+                <a16:creationId xmlns:a16="http://schemas.microsoft.com/office/drawing/2014/main" id="{A2C0777D-BECA-4A06-9B61-DE42B908A2A5}"/>
+              </a:ext>
+            </a:extLst>
+          </p:cNvPr>
+          <p:cNvSpPr>
+            <a:spLocks noGrp="1"/>
+          </p:cNvSpPr>
+          <p:nvPr>
+            <p:ph type="title"/>
+          </p:nvPr>
+        </p:nvSpPr>
+        <p:spPr>
+          <a:xfrm>
+            <a:off x="1459707" y="514193"/>
+            <a:ext cx="9269412" cy="1155267"/>
+          </a:xfrm>
+        </p:spPr>
+        <p:txBody>
+          <a:bodyPr anchor="ctr">
+            <a:normAutofit/>
+          </a:bodyPr>
+          <a:lstStyle/>
+          <a:p>
+            <a:r>
+              <a:rPr lang="en-US" dirty="0">
+                <a:solidFill>
+                  <a:srgbClr val="FFFFFF"/>
+                </a:solidFill>
+              </a:rPr>
+              <a:t>Prediction: Model Selection </a:t>
+            </a:r>
+          </a:p>
+        </p:txBody>
+      </p:sp>
+      <p:sp>
+        <p:nvSpPr>
+          <p:cNvPr id="17" name="Snip Diagonal Corner Rectangle 21">
+            <a:extLst>
+              <a:ext uri="{FF2B5EF4-FFF2-40B4-BE49-F238E27FC236}">
+                <a16:creationId xmlns:a16="http://schemas.microsoft.com/office/drawing/2014/main" id="{E4CBBC1E-991D-4CF9-BCA5-AB1496871411}"/>
+              </a:ext>
+              <a:ext uri="{C183D7F6-B498-43B3-948B-1728B52AA6E4}">
+                <adec:decorative xmlns:adec="http://schemas.microsoft.com/office/drawing/2017/decorative" val="1"/>
+              </a:ext>
+            </a:extLst>
+          </p:cNvPr>
+          <p:cNvSpPr>
+            <a:spLocks noGrp="1" noRot="1" noChangeAspect="1" noMove="1" noResize="1" noEditPoints="1" noAdjustHandles="1" noChangeArrowheads="1" noChangeShapeType="1" noTextEdit="1"/>
+          </p:cNvSpPr>
+          <p:nvPr>
+            <p:extLst>
+              <p:ext uri="{386F3935-93C4-4BCD-93E2-E3B085C9AB24}">
+                <p16:designElem xmlns:p16="http://schemas.microsoft.com/office/powerpoint/2015/main" val="1"/>
+              </p:ext>
+            </p:extLst>
+          </p:nvPr>
+        </p:nvSpPr>
+        <p:spPr>
+          <a:xfrm>
+            <a:off x="1" y="0"/>
+            <a:ext cx="12188824" cy="4572000"/>
+          </a:xfrm>
+          <a:prstGeom prst="snip2DiagRect">
+            <a:avLst>
+              <a:gd name="adj1" fmla="val 0"/>
+              <a:gd name="adj2" fmla="val 0"/>
+            </a:avLst>
+          </a:prstGeom>
+          <a:solidFill>
+            <a:schemeClr val="bg1">
+              <a:alpha val="10000"/>
+            </a:schemeClr>
+          </a:solidFill>
+          <a:ln>
+            <a:noFill/>
+          </a:ln>
+          <a:effectLst/>
+        </p:spPr>
+        <p:style>
+          <a:lnRef idx="2">
+            <a:schemeClr val="accent1">
+              <a:shade val="50000"/>
+            </a:schemeClr>
+          </a:lnRef>
+          <a:fillRef idx="1">
+            <a:schemeClr val="accent1"/>
+          </a:fillRef>
+          <a:effectRef idx="0">
+            <a:schemeClr val="accent1"/>
+          </a:effectRef>
+          <a:fontRef idx="minor">
+            <a:schemeClr val="lt1"/>
+          </a:fontRef>
+        </p:style>
+        <p:txBody>
+          <a:bodyPr rtlCol="0" anchor="ctr"/>
+          <a:lstStyle/>
+          <a:p>
+            <a:pPr algn="ctr"/>
+            <a:endParaRPr lang="en-US"/>
+          </a:p>
+        </p:txBody>
+      </p:sp>
+      <p:graphicFrame>
+        <p:nvGraphicFramePr>
+          <p:cNvPr id="10" name="Content Placeholder 9">
+            <a:extLst>
+              <a:ext uri="{FF2B5EF4-FFF2-40B4-BE49-F238E27FC236}">
+                <a16:creationId xmlns:a16="http://schemas.microsoft.com/office/drawing/2014/main" id="{0FE8C057-76AD-44F5-8FD9-E4EB4E3077AC}"/>
+              </a:ext>
+            </a:extLst>
+          </p:cNvPr>
+          <p:cNvGraphicFramePr>
+            <a:graphicFrameLocks noGrp="1"/>
+          </p:cNvGraphicFramePr>
+          <p:nvPr>
+            <p:ph idx="1"/>
+            <p:extLst>
+              <p:ext uri="{D42A27DB-BD31-4B8C-83A1-F6EECF244321}">
+                <p14:modId xmlns:p14="http://schemas.microsoft.com/office/powerpoint/2010/main" val="2719852462"/>
+              </p:ext>
+            </p:extLst>
+          </p:nvPr>
+        </p:nvGraphicFramePr>
+        <p:xfrm>
+          <a:off x="720707" y="2098145"/>
+          <a:ext cx="10750585" cy="4066685"/>
+        </p:xfrm>
+        <a:graphic>
+          <a:graphicData uri="http://schemas.openxmlformats.org/drawingml/2006/table">
+            <a:tbl>
+              <a:tblPr firstRow="1" bandRow="1">
+                <a:tableStyleId>{5C22544A-7EE6-4342-B048-85BDC9FD1C3A}</a:tableStyleId>
+              </a:tblPr>
+              <a:tblGrid>
+                <a:gridCol w="2852883">
+                  <a:extLst>
+                    <a:ext uri="{9D8B030D-6E8A-4147-A177-3AD203B41FA5}">
+                      <a16:colId xmlns:a16="http://schemas.microsoft.com/office/drawing/2014/main" val="2639627261"/>
+                    </a:ext>
+                  </a:extLst>
+                </a:gridCol>
+                <a:gridCol w="2394264">
+                  <a:extLst>
+                    <a:ext uri="{9D8B030D-6E8A-4147-A177-3AD203B41FA5}">
+                      <a16:colId xmlns:a16="http://schemas.microsoft.com/office/drawing/2014/main" val="1834542477"/>
+                    </a:ext>
+                  </a:extLst>
+                </a:gridCol>
+                <a:gridCol w="2747504">
+                  <a:extLst>
+                    <a:ext uri="{9D8B030D-6E8A-4147-A177-3AD203B41FA5}">
+                      <a16:colId xmlns:a16="http://schemas.microsoft.com/office/drawing/2014/main" val="1989515464"/>
+                    </a:ext>
+                  </a:extLst>
+                </a:gridCol>
+                <a:gridCol w="2755934">
+                  <a:extLst>
+                    <a:ext uri="{9D8B030D-6E8A-4147-A177-3AD203B41FA5}">
+                      <a16:colId xmlns:a16="http://schemas.microsoft.com/office/drawing/2014/main" val="2392006489"/>
+                    </a:ext>
+                  </a:extLst>
+                </a:gridCol>
+              </a:tblGrid>
+              <a:tr h="1106671">
+                <a:tc>
+                  <a:txBody>
+                    <a:bodyPr/>
+                    <a:lstStyle/>
+                    <a:p>
+                      <a:pPr algn="l" fontAlgn="b"/>
+                      <a:endParaRPr lang="en-US" sz="2700" b="0" i="0" u="none" strike="noStrike" dirty="0">
+                        <a:solidFill>
+                          <a:srgbClr val="000000"/>
+                        </a:solidFill>
+                        <a:effectLst/>
+                        <a:latin typeface="Calibri" panose="020F0502020204030204" pitchFamily="34" charset="0"/>
+                      </a:endParaRPr>
+                    </a:p>
+                  </a:txBody>
+                  <a:tcPr marL="18600" marR="18600" marT="18600" marB="0" anchor="b"/>
+                </a:tc>
+                <a:tc>
+                  <a:txBody>
+                    <a:bodyPr/>
+                    <a:lstStyle/>
+                    <a:p>
+                      <a:pPr algn="l" fontAlgn="b"/>
+                      <a:r>
+                        <a:rPr lang="en-US" sz="2700" u="none" strike="noStrike">
+                          <a:effectLst/>
+                        </a:rPr>
+                        <a:t>Diastolic RMSE </a:t>
+                      </a:r>
+                      <a:endParaRPr lang="en-US" sz="2700" b="0" i="0" u="none" strike="noStrike">
+                        <a:solidFill>
+                          <a:srgbClr val="000000"/>
+                        </a:solidFill>
+                        <a:effectLst/>
+                        <a:latin typeface="Calibri" panose="020F0502020204030204" pitchFamily="34" charset="0"/>
+                      </a:endParaRPr>
+                    </a:p>
+                  </a:txBody>
+                  <a:tcPr marL="18600" marR="18600" marT="18600" marB="0" anchor="b"/>
+                </a:tc>
+                <a:tc>
+                  <a:txBody>
+                    <a:bodyPr/>
+                    <a:lstStyle/>
+                    <a:p>
+                      <a:pPr algn="l" fontAlgn="b"/>
+                      <a:r>
+                        <a:rPr lang="en-US" sz="2700" u="none" strike="noStrike">
+                          <a:effectLst/>
+                        </a:rPr>
+                        <a:t>Systolic RMSE </a:t>
+                      </a:r>
+                      <a:endParaRPr lang="en-US" sz="2700" b="0" i="0" u="none" strike="noStrike">
+                        <a:solidFill>
+                          <a:srgbClr val="000000"/>
+                        </a:solidFill>
+                        <a:effectLst/>
+                        <a:latin typeface="Calibri" panose="020F0502020204030204" pitchFamily="34" charset="0"/>
+                      </a:endParaRPr>
+                    </a:p>
+                  </a:txBody>
+                  <a:tcPr marL="18600" marR="18600" marT="18600" marB="0" anchor="b"/>
+                </a:tc>
+                <a:tc>
+                  <a:txBody>
+                    <a:bodyPr/>
+                    <a:lstStyle/>
+                    <a:p>
+                      <a:pPr algn="l" fontAlgn="b"/>
+                      <a:r>
+                        <a:rPr lang="en-US" sz="2700" u="none" strike="noStrike" dirty="0">
+                          <a:effectLst/>
+                        </a:rPr>
+                        <a:t>Mean </a:t>
+                      </a:r>
+                      <a:br>
+                        <a:rPr lang="en-US" sz="2700" u="none" strike="noStrike" dirty="0">
+                          <a:effectLst/>
+                        </a:rPr>
+                      </a:br>
+                      <a:r>
+                        <a:rPr lang="en-US" sz="2700" u="none" strike="noStrike" dirty="0">
+                          <a:effectLst/>
+                        </a:rPr>
+                        <a:t>Mahalanobis </a:t>
+                      </a:r>
+                      <a:endParaRPr lang="en-US" sz="2700" b="0" i="0" u="none" strike="noStrike" dirty="0">
+                        <a:solidFill>
+                          <a:srgbClr val="000000"/>
+                        </a:solidFill>
+                        <a:effectLst/>
+                        <a:latin typeface="Calibri" panose="020F0502020204030204" pitchFamily="34" charset="0"/>
+                      </a:endParaRPr>
+                    </a:p>
+                  </a:txBody>
+                  <a:tcPr marL="18600" marR="18600" marT="18600" marB="0" anchor="b"/>
+                </a:tc>
+                <a:extLst>
+                  <a:ext uri="{0D108BD9-81ED-4DB2-BD59-A6C34878D82A}">
+                    <a16:rowId xmlns:a16="http://schemas.microsoft.com/office/drawing/2014/main" val="3789809839"/>
+                  </a:ext>
+                </a:extLst>
+              </a:tr>
+              <a:tr h="617781">
+                <a:tc>
+                  <a:txBody>
+                    <a:bodyPr/>
+                    <a:lstStyle/>
+                    <a:p>
+                      <a:pPr algn="l" fontAlgn="b"/>
+                      <a:r>
+                        <a:rPr lang="en-US" sz="2700" u="none" strike="noStrike">
+                          <a:effectLst/>
+                        </a:rPr>
+                        <a:t>Linear Model </a:t>
+                      </a:r>
+                      <a:endParaRPr lang="en-US" sz="2700" b="0" i="0" u="none" strike="noStrike">
+                        <a:solidFill>
+                          <a:srgbClr val="000000"/>
+                        </a:solidFill>
+                        <a:effectLst/>
+                        <a:latin typeface="Calibri" panose="020F0502020204030204" pitchFamily="34" charset="0"/>
+                      </a:endParaRPr>
+                    </a:p>
+                  </a:txBody>
+                  <a:tcPr marL="18600" marR="18600" marT="18600" marB="0" anchor="b"/>
+                </a:tc>
+                <a:tc>
+                  <a:txBody>
+                    <a:bodyPr/>
+                    <a:lstStyle/>
+                    <a:p>
+                      <a:pPr algn="r" fontAlgn="b"/>
+                      <a:r>
+                        <a:rPr lang="en-US" sz="2700" u="none" strike="noStrike">
+                          <a:effectLst/>
+                        </a:rPr>
+                        <a:t>9.69</a:t>
+                      </a:r>
+                      <a:endParaRPr lang="en-US" sz="2700" b="0" i="0" u="none" strike="noStrike">
+                        <a:solidFill>
+                          <a:srgbClr val="000000"/>
+                        </a:solidFill>
+                        <a:effectLst/>
+                        <a:latin typeface="Calibri" panose="020F0502020204030204" pitchFamily="34" charset="0"/>
+                      </a:endParaRPr>
+                    </a:p>
+                  </a:txBody>
+                  <a:tcPr marL="18600" marR="18600" marT="18600" marB="0" anchor="b"/>
+                </a:tc>
+                <a:tc>
+                  <a:txBody>
+                    <a:bodyPr/>
+                    <a:lstStyle/>
+                    <a:p>
+                      <a:pPr algn="r" fontAlgn="b"/>
+                      <a:r>
+                        <a:rPr lang="en-US" sz="2700" u="none" strike="noStrike">
+                          <a:effectLst/>
+                        </a:rPr>
+                        <a:t>13.28</a:t>
+                      </a:r>
+                      <a:endParaRPr lang="en-US" sz="2700" b="0" i="0" u="none" strike="noStrike">
+                        <a:solidFill>
+                          <a:srgbClr val="000000"/>
+                        </a:solidFill>
+                        <a:effectLst/>
+                        <a:latin typeface="Calibri" panose="020F0502020204030204" pitchFamily="34" charset="0"/>
+                      </a:endParaRPr>
+                    </a:p>
+                  </a:txBody>
+                  <a:tcPr marL="18600" marR="18600" marT="18600" marB="0" anchor="b"/>
+                </a:tc>
+                <a:tc>
+                  <a:txBody>
+                    <a:bodyPr/>
+                    <a:lstStyle/>
+                    <a:p>
+                      <a:pPr algn="r" fontAlgn="b"/>
+                      <a:r>
+                        <a:rPr lang="en-US" sz="2700" u="none" strike="noStrike">
+                          <a:effectLst/>
+                        </a:rPr>
+                        <a:t>10.04</a:t>
+                      </a:r>
+                      <a:endParaRPr lang="en-US" sz="2700" b="0" i="0" u="none" strike="noStrike">
+                        <a:solidFill>
+                          <a:srgbClr val="000000"/>
+                        </a:solidFill>
+                        <a:effectLst/>
+                        <a:latin typeface="Calibri" panose="020F0502020204030204" pitchFamily="34" charset="0"/>
+                      </a:endParaRPr>
+                    </a:p>
+                  </a:txBody>
+                  <a:tcPr marL="18600" marR="18600" marT="18600" marB="0" anchor="b"/>
+                </a:tc>
+                <a:extLst>
+                  <a:ext uri="{0D108BD9-81ED-4DB2-BD59-A6C34878D82A}">
+                    <a16:rowId xmlns:a16="http://schemas.microsoft.com/office/drawing/2014/main" val="58727046"/>
+                  </a:ext>
+                </a:extLst>
+              </a:tr>
+              <a:tr h="1106671">
+                <a:tc>
+                  <a:txBody>
+                    <a:bodyPr/>
+                    <a:lstStyle/>
+                    <a:p>
+                      <a:pPr algn="l" fontAlgn="b"/>
+                      <a:r>
+                        <a:rPr lang="en-US" sz="2700" u="none" strike="noStrike">
+                          <a:effectLst/>
+                        </a:rPr>
+                        <a:t>Linear Model</a:t>
+                      </a:r>
+                      <a:br>
+                        <a:rPr lang="en-US" sz="2700" u="none" strike="noStrike">
+                          <a:effectLst/>
+                        </a:rPr>
+                      </a:br>
+                      <a:r>
+                        <a:rPr lang="en-US" sz="2700" u="none" strike="noStrike">
+                          <a:effectLst/>
+                        </a:rPr>
+                        <a:t> w/ Clustering </a:t>
+                      </a:r>
+                      <a:endParaRPr lang="en-US" sz="2700" b="0" i="0" u="none" strike="noStrike">
+                        <a:solidFill>
+                          <a:srgbClr val="000000"/>
+                        </a:solidFill>
+                        <a:effectLst/>
+                        <a:latin typeface="Calibri" panose="020F0502020204030204" pitchFamily="34" charset="0"/>
+                      </a:endParaRPr>
+                    </a:p>
+                  </a:txBody>
+                  <a:tcPr marL="18600" marR="18600" marT="18600" marB="0" anchor="b"/>
+                </a:tc>
+                <a:tc>
+                  <a:txBody>
+                    <a:bodyPr/>
+                    <a:lstStyle/>
+                    <a:p>
+                      <a:pPr algn="r" fontAlgn="b"/>
+                      <a:r>
+                        <a:rPr lang="en-US" sz="2700" u="none" strike="noStrike">
+                          <a:effectLst/>
+                        </a:rPr>
+                        <a:t>9.65</a:t>
+                      </a:r>
+                      <a:endParaRPr lang="en-US" sz="2700" b="0" i="0" u="none" strike="noStrike">
+                        <a:solidFill>
+                          <a:srgbClr val="000000"/>
+                        </a:solidFill>
+                        <a:effectLst/>
+                        <a:latin typeface="Calibri" panose="020F0502020204030204" pitchFamily="34" charset="0"/>
+                      </a:endParaRPr>
+                    </a:p>
+                  </a:txBody>
+                  <a:tcPr marL="18600" marR="18600" marT="18600" marB="0" anchor="b"/>
+                </a:tc>
+                <a:tc>
+                  <a:txBody>
+                    <a:bodyPr/>
+                    <a:lstStyle/>
+                    <a:p>
+                      <a:pPr algn="r" fontAlgn="b"/>
+                      <a:r>
+                        <a:rPr lang="en-US" sz="2700" u="none" strike="noStrike">
+                          <a:effectLst/>
+                        </a:rPr>
+                        <a:t>13.31</a:t>
+                      </a:r>
+                      <a:endParaRPr lang="en-US" sz="2700" b="0" i="0" u="none" strike="noStrike">
+                        <a:solidFill>
+                          <a:srgbClr val="000000"/>
+                        </a:solidFill>
+                        <a:effectLst/>
+                        <a:latin typeface="Calibri" panose="020F0502020204030204" pitchFamily="34" charset="0"/>
+                      </a:endParaRPr>
+                    </a:p>
+                  </a:txBody>
+                  <a:tcPr marL="18600" marR="18600" marT="18600" marB="0" anchor="b"/>
+                </a:tc>
+                <a:tc>
+                  <a:txBody>
+                    <a:bodyPr/>
+                    <a:lstStyle/>
+                    <a:p>
+                      <a:pPr algn="r" fontAlgn="b"/>
+                      <a:r>
+                        <a:rPr lang="en-US" sz="2700" u="none" strike="noStrike">
+                          <a:effectLst/>
+                        </a:rPr>
+                        <a:t>9.73</a:t>
+                      </a:r>
+                      <a:endParaRPr lang="en-US" sz="2700" b="0" i="0" u="none" strike="noStrike">
+                        <a:solidFill>
+                          <a:srgbClr val="000000"/>
+                        </a:solidFill>
+                        <a:effectLst/>
+                        <a:latin typeface="Calibri" panose="020F0502020204030204" pitchFamily="34" charset="0"/>
+                      </a:endParaRPr>
+                    </a:p>
+                  </a:txBody>
+                  <a:tcPr marL="18600" marR="18600" marT="18600" marB="0" anchor="b"/>
+                </a:tc>
+                <a:extLst>
+                  <a:ext uri="{0D108BD9-81ED-4DB2-BD59-A6C34878D82A}">
+                    <a16:rowId xmlns:a16="http://schemas.microsoft.com/office/drawing/2014/main" val="970295603"/>
+                  </a:ext>
+                </a:extLst>
+              </a:tr>
+              <a:tr h="617781">
+                <a:tc>
+                  <a:txBody>
+                    <a:bodyPr/>
+                    <a:lstStyle/>
+                    <a:p>
+                      <a:pPr algn="l" fontAlgn="b"/>
+                      <a:r>
+                        <a:rPr lang="en-US" sz="2700" u="none" strike="noStrike">
+                          <a:effectLst/>
+                        </a:rPr>
+                        <a:t>Decision Trees </a:t>
+                      </a:r>
+                      <a:endParaRPr lang="en-US" sz="2700" b="0" i="0" u="none" strike="noStrike">
+                        <a:solidFill>
+                          <a:srgbClr val="000000"/>
+                        </a:solidFill>
+                        <a:effectLst/>
+                        <a:latin typeface="Calibri" panose="020F0502020204030204" pitchFamily="34" charset="0"/>
+                      </a:endParaRPr>
+                    </a:p>
+                  </a:txBody>
+                  <a:tcPr marL="18600" marR="18600" marT="18600" marB="0" anchor="b"/>
+                </a:tc>
+                <a:tc>
+                  <a:txBody>
+                    <a:bodyPr/>
+                    <a:lstStyle/>
+                    <a:p>
+                      <a:pPr algn="r" fontAlgn="b"/>
+                      <a:r>
+                        <a:rPr lang="en-US" sz="2700" u="none" strike="noStrike">
+                          <a:effectLst/>
+                        </a:rPr>
+                        <a:t>9.92</a:t>
+                      </a:r>
+                      <a:endParaRPr lang="en-US" sz="2700" b="0" i="0" u="none" strike="noStrike">
+                        <a:solidFill>
+                          <a:srgbClr val="000000"/>
+                        </a:solidFill>
+                        <a:effectLst/>
+                        <a:latin typeface="Calibri" panose="020F0502020204030204" pitchFamily="34" charset="0"/>
+                      </a:endParaRPr>
+                    </a:p>
+                  </a:txBody>
+                  <a:tcPr marL="18600" marR="18600" marT="18600" marB="0" anchor="b"/>
+                </a:tc>
+                <a:tc>
+                  <a:txBody>
+                    <a:bodyPr/>
+                    <a:lstStyle/>
+                    <a:p>
+                      <a:pPr algn="r" fontAlgn="b"/>
+                      <a:r>
+                        <a:rPr lang="en-US" sz="2700" u="none" strike="noStrike">
+                          <a:effectLst/>
+                        </a:rPr>
+                        <a:t>13.28</a:t>
+                      </a:r>
+                      <a:endParaRPr lang="en-US" sz="2700" b="0" i="0" u="none" strike="noStrike">
+                        <a:solidFill>
+                          <a:srgbClr val="000000"/>
+                        </a:solidFill>
+                        <a:effectLst/>
+                        <a:latin typeface="Calibri" panose="020F0502020204030204" pitchFamily="34" charset="0"/>
+                      </a:endParaRPr>
+                    </a:p>
+                  </a:txBody>
+                  <a:tcPr marL="18600" marR="18600" marT="18600" marB="0" anchor="b"/>
+                </a:tc>
+                <a:tc>
+                  <a:txBody>
+                    <a:bodyPr/>
+                    <a:lstStyle/>
+                    <a:p>
+                      <a:pPr algn="r" fontAlgn="b"/>
+                      <a:r>
+                        <a:rPr lang="en-US" sz="2700" u="none" strike="noStrike">
+                          <a:effectLst/>
+                        </a:rPr>
+                        <a:t>10.75</a:t>
+                      </a:r>
+                      <a:endParaRPr lang="en-US" sz="2700" b="0" i="0" u="none" strike="noStrike">
+                        <a:solidFill>
+                          <a:srgbClr val="000000"/>
+                        </a:solidFill>
+                        <a:effectLst/>
+                        <a:latin typeface="Calibri" panose="020F0502020204030204" pitchFamily="34" charset="0"/>
+                      </a:endParaRPr>
+                    </a:p>
+                  </a:txBody>
+                  <a:tcPr marL="18600" marR="18600" marT="18600" marB="0" anchor="b"/>
+                </a:tc>
+                <a:extLst>
+                  <a:ext uri="{0D108BD9-81ED-4DB2-BD59-A6C34878D82A}">
+                    <a16:rowId xmlns:a16="http://schemas.microsoft.com/office/drawing/2014/main" val="1090011990"/>
+                  </a:ext>
+                </a:extLst>
+              </a:tr>
+              <a:tr h="617781">
+                <a:tc>
+                  <a:txBody>
+                    <a:bodyPr/>
+                    <a:lstStyle/>
+                    <a:p>
+                      <a:pPr algn="l" fontAlgn="b"/>
+                      <a:r>
+                        <a:rPr lang="en-US" sz="2700" u="none" strike="noStrike">
+                          <a:effectLst/>
+                        </a:rPr>
+                        <a:t>Random Forest </a:t>
+                      </a:r>
+                      <a:endParaRPr lang="en-US" sz="2700" b="0" i="0" u="none" strike="noStrike">
+                        <a:solidFill>
+                          <a:srgbClr val="000000"/>
+                        </a:solidFill>
+                        <a:effectLst/>
+                        <a:latin typeface="Calibri" panose="020F0502020204030204" pitchFamily="34" charset="0"/>
+                      </a:endParaRPr>
+                    </a:p>
+                  </a:txBody>
+                  <a:tcPr marL="18600" marR="18600" marT="18600" marB="0" anchor="b"/>
+                </a:tc>
+                <a:tc>
+                  <a:txBody>
+                    <a:bodyPr/>
+                    <a:lstStyle/>
+                    <a:p>
+                      <a:pPr algn="r" fontAlgn="b"/>
+                      <a:r>
+                        <a:rPr lang="en-US" sz="2700" u="none" strike="noStrike">
+                          <a:effectLst/>
+                        </a:rPr>
+                        <a:t>5.33</a:t>
+                      </a:r>
+                      <a:endParaRPr lang="en-US" sz="2700" b="0" i="0" u="none" strike="noStrike">
+                        <a:solidFill>
+                          <a:srgbClr val="000000"/>
+                        </a:solidFill>
+                        <a:effectLst/>
+                        <a:latin typeface="Calibri" panose="020F0502020204030204" pitchFamily="34" charset="0"/>
+                      </a:endParaRPr>
+                    </a:p>
+                  </a:txBody>
+                  <a:tcPr marL="18600" marR="18600" marT="18600" marB="0" anchor="b"/>
+                </a:tc>
+                <a:tc>
+                  <a:txBody>
+                    <a:bodyPr/>
+                    <a:lstStyle/>
+                    <a:p>
+                      <a:pPr algn="r" fontAlgn="b"/>
+                      <a:r>
+                        <a:rPr lang="en-US" sz="2700" u="none" strike="noStrike">
+                          <a:effectLst/>
+                        </a:rPr>
+                        <a:t>7.64</a:t>
+                      </a:r>
+                      <a:endParaRPr lang="en-US" sz="2700" b="0" i="0" u="none" strike="noStrike">
+                        <a:solidFill>
+                          <a:srgbClr val="000000"/>
+                        </a:solidFill>
+                        <a:effectLst/>
+                        <a:latin typeface="Calibri" panose="020F0502020204030204" pitchFamily="34" charset="0"/>
+                      </a:endParaRPr>
+                    </a:p>
+                  </a:txBody>
+                  <a:tcPr marL="18600" marR="18600" marT="18600" marB="0" anchor="b"/>
+                </a:tc>
+                <a:tc>
+                  <a:txBody>
+                    <a:bodyPr/>
+                    <a:lstStyle/>
+                    <a:p>
+                      <a:pPr algn="r" fontAlgn="b"/>
+                      <a:r>
+                        <a:rPr lang="en-US" sz="2700" u="none" strike="noStrike" dirty="0">
+                          <a:effectLst/>
+                        </a:rPr>
+                        <a:t>6.5</a:t>
+                      </a:r>
+                      <a:endParaRPr lang="en-US" sz="2700" b="0" i="0" u="none" strike="noStrike" dirty="0">
+                        <a:solidFill>
+                          <a:srgbClr val="000000"/>
+                        </a:solidFill>
+                        <a:effectLst/>
+                        <a:latin typeface="Calibri" panose="020F0502020204030204" pitchFamily="34" charset="0"/>
+                      </a:endParaRPr>
+                    </a:p>
+                  </a:txBody>
+                  <a:tcPr marL="18600" marR="18600" marT="18600" marB="0" anchor="b"/>
+                </a:tc>
+                <a:extLst>
+                  <a:ext uri="{0D108BD9-81ED-4DB2-BD59-A6C34878D82A}">
+                    <a16:rowId xmlns:a16="http://schemas.microsoft.com/office/drawing/2014/main" val="2605736253"/>
+                  </a:ext>
+                </a:extLst>
+              </a:tr>
+            </a:tbl>
+          </a:graphicData>
+        </a:graphic>
+      </p:graphicFrame>
+    </p:spTree>
+    <p:extLst>
+      <p:ext uri="{BB962C8B-B14F-4D97-AF65-F5344CB8AC3E}">
+        <p14:creationId xmlns:p14="http://schemas.microsoft.com/office/powerpoint/2010/main" val="1412788602"/>
+      </p:ext>
+    </p:extLst>
+  </p:cSld>
+  <p:clrMapOvr>
+    <a:overrideClrMapping bg1="lt1" tx1="dk1" bg2="lt2" tx2="dk2" accent1="accent1" accent2="accent2" accent3="accent3" accent4="accent4" accent5="accent5" accent6="accent6" hlink="hlink" folHlink="folHlink"/>
+  </p:clrMapOvr>
+</p:sld>
+</file>
+
+<file path=ppt/slides/slide11.xml><?xml version="1.0" encoding="utf-8"?>
+<p:sld xmlns:a="http://schemas.openxmlformats.org/drawingml/2006/main" xmlns:r="http://schemas.openxmlformats.org/officeDocument/2006/relationships" xmlns:p="http://schemas.openxmlformats.org/presentationml/2006/main">
+  <p:cSld>
+    <p:spTree>
+      <p:nvGrpSpPr>
+        <p:cNvPr id="1" name=""/>
+        <p:cNvGrpSpPr/>
+        <p:nvPr/>
+      </p:nvGrpSpPr>
+      <p:grpSpPr>
+        <a:xfrm>
+          <a:off x="0" y="0"/>
+          <a:ext cx="0" cy="0"/>
+          <a:chOff x="0" y="0"/>
+          <a:chExt cx="0" cy="0"/>
+        </a:xfrm>
+      </p:grpSpPr>
+      <p:sp>
+        <p:nvSpPr>
+          <p:cNvPr id="2" name="Title 1">
+            <a:extLst>
+              <a:ext uri="{FF2B5EF4-FFF2-40B4-BE49-F238E27FC236}">
+                <a16:creationId xmlns:a16="http://schemas.microsoft.com/office/drawing/2014/main" id="{EC37B1A4-7911-438F-8D39-E9CFB2FF07BF}"/>
+              </a:ext>
+            </a:extLst>
+          </p:cNvPr>
+          <p:cNvSpPr>
+            <a:spLocks noGrp="1"/>
+          </p:cNvSpPr>
+          <p:nvPr>
+            <p:ph type="title"/>
+          </p:nvPr>
+        </p:nvSpPr>
+        <p:spPr>
+          <a:xfrm>
+            <a:off x="1828798" y="376723"/>
+            <a:ext cx="8534400" cy="1507067"/>
+          </a:xfrm>
+        </p:spPr>
+        <p:txBody>
+          <a:bodyPr/>
+          <a:lstStyle/>
+          <a:p>
+            <a:pPr algn="ctr"/>
+            <a:r>
+              <a:rPr lang="en-US" dirty="0"/>
+              <a:t>Prediction: Fit</a:t>
+            </a:r>
+          </a:p>
+        </p:txBody>
+      </p:sp>
+      <p:pic>
+        <p:nvPicPr>
+          <p:cNvPr id="9" name="Picture 8">
+            <a:extLst>
+              <a:ext uri="{FF2B5EF4-FFF2-40B4-BE49-F238E27FC236}">
+                <a16:creationId xmlns:a16="http://schemas.microsoft.com/office/drawing/2014/main" id="{B73B82A7-E6A3-4ADA-ADFB-EC96211AFE18}"/>
+              </a:ext>
+            </a:extLst>
+          </p:cNvPr>
+          <p:cNvPicPr>
+            <a:picLocks noChangeAspect="1"/>
+          </p:cNvPicPr>
+          <p:nvPr/>
+        </p:nvPicPr>
+        <p:blipFill>
+          <a:blip r:embed="rId2"/>
+          <a:stretch>
+            <a:fillRect/>
+          </a:stretch>
+        </p:blipFill>
+        <p:spPr>
+          <a:xfrm>
+            <a:off x="91541" y="1588202"/>
+            <a:ext cx="6004459" cy="4893075"/>
+          </a:xfrm>
+          <a:prstGeom prst="rect">
+            <a:avLst/>
+          </a:prstGeom>
+        </p:spPr>
+      </p:pic>
+      <p:pic>
+        <p:nvPicPr>
+          <p:cNvPr id="11" name="Picture 10">
+            <a:extLst>
+              <a:ext uri="{FF2B5EF4-FFF2-40B4-BE49-F238E27FC236}">
+                <a16:creationId xmlns:a16="http://schemas.microsoft.com/office/drawing/2014/main" id="{A60B6BFC-62F4-4A48-A562-A36090F58CF7}"/>
+              </a:ext>
+            </a:extLst>
+          </p:cNvPr>
+          <p:cNvPicPr>
+            <a:picLocks noChangeAspect="1"/>
+          </p:cNvPicPr>
+          <p:nvPr/>
+        </p:nvPicPr>
+        <p:blipFill>
+          <a:blip r:embed="rId3"/>
+          <a:stretch>
+            <a:fillRect/>
+          </a:stretch>
+        </p:blipFill>
+        <p:spPr>
+          <a:xfrm>
+            <a:off x="6095998" y="1588201"/>
+            <a:ext cx="6004461" cy="4893075"/>
+          </a:xfrm>
+          <a:prstGeom prst="rect">
+            <a:avLst/>
+          </a:prstGeom>
+        </p:spPr>
+      </p:pic>
+    </p:spTree>
+    <p:extLst>
+      <p:ext uri="{BB962C8B-B14F-4D97-AF65-F5344CB8AC3E}">
+        <p14:creationId xmlns:p14="http://schemas.microsoft.com/office/powerpoint/2010/main" val="3553347389"/>
+      </p:ext>
+    </p:extLst>
+  </p:cSld>
+  <p:clrMapOvr>
+    <a:masterClrMapping/>
+  </p:clrMapOvr>
+</p:sld>
+</file>
+
+<file path=ppt/slides/slide12.xml><?xml version="1.0" encoding="utf-8"?>
+<p:sld xmlns:a="http://schemas.openxmlformats.org/drawingml/2006/main" xmlns:r="http://schemas.openxmlformats.org/officeDocument/2006/relationships" xmlns:p="http://schemas.openxmlformats.org/presentationml/2006/main">
+  <p:cSld>
+    <p:spTree>
+      <p:nvGrpSpPr>
+        <p:cNvPr id="1" name=""/>
+        <p:cNvGrpSpPr/>
+        <p:nvPr/>
+      </p:nvGrpSpPr>
+      <p:grpSpPr>
+        <a:xfrm>
+          <a:off x="0" y="0"/>
+          <a:ext cx="0" cy="0"/>
+          <a:chOff x="0" y="0"/>
+          <a:chExt cx="0" cy="0"/>
+        </a:xfrm>
+      </p:grpSpPr>
+      <p:sp>
+        <p:nvSpPr>
+          <p:cNvPr id="2" name="Title 1">
+            <a:extLst>
+              <a:ext uri="{FF2B5EF4-FFF2-40B4-BE49-F238E27FC236}">
+                <a16:creationId xmlns:a16="http://schemas.microsoft.com/office/drawing/2014/main" id="{566CDA2B-DE25-450E-AB4D-DB37FB39E821}"/>
+              </a:ext>
+            </a:extLst>
+          </p:cNvPr>
+          <p:cNvSpPr>
+            <a:spLocks noGrp="1"/>
+          </p:cNvSpPr>
+          <p:nvPr>
+            <p:ph type="title"/>
+          </p:nvPr>
+        </p:nvSpPr>
+        <p:spPr>
+          <a:xfrm>
+            <a:off x="480026" y="0"/>
+            <a:ext cx="8534400" cy="1507067"/>
+          </a:xfrm>
+        </p:spPr>
+        <p:txBody>
+          <a:bodyPr/>
+          <a:lstStyle/>
+          <a:p>
+            <a:r>
+              <a:rPr lang="en-US" dirty="0"/>
+              <a:t>Prediction: Random Forest</a:t>
+            </a:r>
+          </a:p>
+        </p:txBody>
+      </p:sp>
+      <p:pic>
+        <p:nvPicPr>
+          <p:cNvPr id="19" name="Picture 18">
+            <a:extLst>
+              <a:ext uri="{FF2B5EF4-FFF2-40B4-BE49-F238E27FC236}">
+                <a16:creationId xmlns:a16="http://schemas.microsoft.com/office/drawing/2014/main" id="{CF6036CB-20AE-4395-BF87-65513C4A87F9}"/>
+              </a:ext>
+            </a:extLst>
+          </p:cNvPr>
+          <p:cNvPicPr>
+            <a:picLocks noChangeAspect="1"/>
+          </p:cNvPicPr>
+          <p:nvPr/>
+        </p:nvPicPr>
+        <p:blipFill>
+          <a:blip r:embed="rId2"/>
+          <a:stretch>
+            <a:fillRect/>
+          </a:stretch>
+        </p:blipFill>
+        <p:spPr>
+          <a:xfrm>
+            <a:off x="104002" y="1419225"/>
+            <a:ext cx="5991998" cy="4659578"/>
+          </a:xfrm>
+          <a:prstGeom prst="rect">
+            <a:avLst/>
+          </a:prstGeom>
+        </p:spPr>
+      </p:pic>
+      <p:pic>
+        <p:nvPicPr>
+          <p:cNvPr id="21" name="Picture 20">
+            <a:extLst>
+              <a:ext uri="{FF2B5EF4-FFF2-40B4-BE49-F238E27FC236}">
+                <a16:creationId xmlns:a16="http://schemas.microsoft.com/office/drawing/2014/main" id="{45F1D435-68AA-4043-9B6C-558F2FCC375D}"/>
+              </a:ext>
+            </a:extLst>
+          </p:cNvPr>
+          <p:cNvPicPr>
+            <a:picLocks noChangeAspect="1"/>
+          </p:cNvPicPr>
+          <p:nvPr/>
+        </p:nvPicPr>
+        <p:blipFill>
+          <a:blip r:embed="rId3"/>
+          <a:stretch>
+            <a:fillRect/>
+          </a:stretch>
+        </p:blipFill>
+        <p:spPr>
+          <a:xfrm>
+            <a:off x="6096000" y="1419225"/>
+            <a:ext cx="5991998" cy="4659578"/>
+          </a:xfrm>
+          <a:prstGeom prst="rect">
+            <a:avLst/>
+          </a:prstGeom>
+        </p:spPr>
+      </p:pic>
+    </p:spTree>
+    <p:extLst>
+      <p:ext uri="{BB962C8B-B14F-4D97-AF65-F5344CB8AC3E}">
+        <p14:creationId xmlns:p14="http://schemas.microsoft.com/office/powerpoint/2010/main" val="56761644"/>
+      </p:ext>
+    </p:extLst>
+  </p:cSld>
+  <p:clrMapOvr>
+    <a:masterClrMapping/>
+  </p:clrMapOvr>
+</p:sld>
+</file>
+
+<file path=ppt/slides/slide13.xml><?xml version="1.0" encoding="utf-8"?>
+<p:sld xmlns:a="http://schemas.openxmlformats.org/drawingml/2006/main" xmlns:r="http://schemas.openxmlformats.org/officeDocument/2006/relationships" xmlns:p="http://schemas.openxmlformats.org/presentationml/2006/main">
+  <p:cSld>
+    <p:spTree>
+      <p:nvGrpSpPr>
+        <p:cNvPr id="1" name=""/>
+        <p:cNvGrpSpPr/>
+        <p:nvPr/>
+      </p:nvGrpSpPr>
+      <p:grpSpPr>
+        <a:xfrm>
+          <a:off x="0" y="0"/>
+          <a:ext cx="0" cy="0"/>
+          <a:chOff x="0" y="0"/>
+          <a:chExt cx="0" cy="0"/>
+        </a:xfrm>
+      </p:grpSpPr>
+      <p:sp>
+        <p:nvSpPr>
+          <p:cNvPr id="2" name="Title 1">
+            <a:extLst>
+              <a:ext uri="{FF2B5EF4-FFF2-40B4-BE49-F238E27FC236}">
+                <a16:creationId xmlns:a16="http://schemas.microsoft.com/office/drawing/2014/main" id="{084E27C8-B8DF-488E-8A3A-7CFF7ED8880F}"/>
+              </a:ext>
+            </a:extLst>
+          </p:cNvPr>
+          <p:cNvSpPr>
+            <a:spLocks noGrp="1"/>
+          </p:cNvSpPr>
+          <p:nvPr>
+            <p:ph type="ctrTitle"/>
+          </p:nvPr>
+        </p:nvSpPr>
+        <p:spPr/>
+        <p:txBody>
+          <a:bodyPr/>
+          <a:lstStyle/>
+          <a:p>
+            <a:r>
+              <a:rPr lang="en-US" dirty="0"/>
+              <a:t>Outlier Detection</a:t>
+            </a:r>
+          </a:p>
+        </p:txBody>
+      </p:sp>
+    </p:spTree>
+    <p:extLst>
+      <p:ext uri="{BB962C8B-B14F-4D97-AF65-F5344CB8AC3E}">
+        <p14:creationId xmlns:p14="http://schemas.microsoft.com/office/powerpoint/2010/main" val="981383040"/>
+      </p:ext>
+    </p:extLst>
+  </p:cSld>
+  <p:clrMapOvr>
+    <a:masterClrMapping/>
+  </p:clrMapOvr>
+</p:sld>
+</file>
+
+<file path=ppt/slides/slide14.xml><?xml version="1.0" encoding="utf-8"?>
+<p:sld xmlns:a="http://schemas.openxmlformats.org/drawingml/2006/main" xmlns:r="http://schemas.openxmlformats.org/officeDocument/2006/relationships" xmlns:p="http://schemas.openxmlformats.org/presentationml/2006/main">
+  <p:cSld>
+    <p:spTree>
+      <p:nvGrpSpPr>
+        <p:cNvPr id="1" name=""/>
+        <p:cNvGrpSpPr/>
+        <p:nvPr/>
+      </p:nvGrpSpPr>
+      <p:grpSpPr>
+        <a:xfrm>
+          <a:off x="0" y="0"/>
+          <a:ext cx="0" cy="0"/>
+          <a:chOff x="0" y="0"/>
+          <a:chExt cx="0" cy="0"/>
+        </a:xfrm>
+      </p:grpSpPr>
+      <p:sp>
+        <p:nvSpPr>
+          <p:cNvPr id="2" name="Title 1">
+            <a:extLst>
+              <a:ext uri="{FF2B5EF4-FFF2-40B4-BE49-F238E27FC236}">
+                <a16:creationId xmlns:a16="http://schemas.microsoft.com/office/drawing/2014/main" id="{A437A484-C364-4DA0-9BE8-63FB3421B0E6}"/>
+              </a:ext>
+            </a:extLst>
+          </p:cNvPr>
+          <p:cNvSpPr>
+            <a:spLocks noGrp="1"/>
+          </p:cNvSpPr>
+          <p:nvPr>
+            <p:ph type="title"/>
+          </p:nvPr>
+        </p:nvSpPr>
+        <p:spPr>
+          <a:xfrm>
+            <a:off x="1828800" y="89371"/>
+            <a:ext cx="8534400" cy="1507067"/>
+          </a:xfrm>
+        </p:spPr>
+        <p:txBody>
+          <a:bodyPr/>
+          <a:lstStyle/>
+          <a:p>
+            <a:r>
+              <a:rPr lang="en-US" dirty="0"/>
+              <a:t>Outlier Detection: A Cut-off</a:t>
+            </a:r>
+          </a:p>
+        </p:txBody>
+      </p:sp>
+      <p:pic>
+        <p:nvPicPr>
+          <p:cNvPr id="7" name="Content Placeholder 6">
+            <a:extLst>
+              <a:ext uri="{FF2B5EF4-FFF2-40B4-BE49-F238E27FC236}">
+                <a16:creationId xmlns:a16="http://schemas.microsoft.com/office/drawing/2014/main" id="{680F2DAE-3BB1-46D4-B2A3-3F2553E2938B}"/>
+              </a:ext>
+            </a:extLst>
+          </p:cNvPr>
+          <p:cNvPicPr>
+            <a:picLocks noGrp="1" noChangeAspect="1"/>
+          </p:cNvPicPr>
+          <p:nvPr>
+            <p:ph idx="1"/>
+          </p:nvPr>
+        </p:nvPicPr>
+        <p:blipFill>
+          <a:blip r:embed="rId2"/>
+          <a:stretch>
+            <a:fillRect/>
+          </a:stretch>
+        </p:blipFill>
+        <p:spPr>
+          <a:xfrm>
+            <a:off x="2105025" y="1379814"/>
+            <a:ext cx="7981950" cy="5267579"/>
+          </a:xfrm>
+        </p:spPr>
+      </p:pic>
+    </p:spTree>
+    <p:extLst>
+      <p:ext uri="{BB962C8B-B14F-4D97-AF65-F5344CB8AC3E}">
+        <p14:creationId xmlns:p14="http://schemas.microsoft.com/office/powerpoint/2010/main" val="4074725554"/>
+      </p:ext>
+    </p:extLst>
+  </p:cSld>
+  <p:clrMapOvr>
+    <a:masterClrMapping/>
+  </p:clrMapOvr>
+</p:sld>
+</file>
+
+<file path=ppt/slides/slide15.xml><?xml version="1.0" encoding="utf-8"?>
+<p:sld xmlns:a="http://schemas.openxmlformats.org/drawingml/2006/main" xmlns:r="http://schemas.openxmlformats.org/officeDocument/2006/relationships" xmlns:p="http://schemas.openxmlformats.org/presentationml/2006/main">
+  <p:cSld>
+    <p:spTree>
+      <p:nvGrpSpPr>
+        <p:cNvPr id="1" name=""/>
+        <p:cNvGrpSpPr/>
+        <p:nvPr/>
+      </p:nvGrpSpPr>
+      <p:grpSpPr>
+        <a:xfrm>
+          <a:off x="0" y="0"/>
+          <a:ext cx="0" cy="0"/>
+          <a:chOff x="0" y="0"/>
+          <a:chExt cx="0" cy="0"/>
+        </a:xfrm>
+      </p:grpSpPr>
+      <p:sp>
+        <p:nvSpPr>
+          <p:cNvPr id="2" name="Title 1">
+            <a:extLst>
+              <a:ext uri="{FF2B5EF4-FFF2-40B4-BE49-F238E27FC236}">
+                <a16:creationId xmlns:a16="http://schemas.microsoft.com/office/drawing/2014/main" id="{DD34C587-3BBE-40A5-A3A1-D7FA84AF3718}"/>
+              </a:ext>
+            </a:extLst>
+          </p:cNvPr>
+          <p:cNvSpPr>
+            <a:spLocks noGrp="1"/>
+          </p:cNvSpPr>
+          <p:nvPr>
+            <p:ph type="title"/>
+          </p:nvPr>
+        </p:nvSpPr>
+        <p:spPr>
+          <a:xfrm>
+            <a:off x="541337" y="1839382"/>
+            <a:ext cx="8534400" cy="1507067"/>
+          </a:xfrm>
+        </p:spPr>
+        <p:txBody>
+          <a:bodyPr>
+            <a:normAutofit/>
+          </a:bodyPr>
+          <a:lstStyle/>
+          <a:p>
+            <a:r>
+              <a:rPr lang="en-US" sz="4800" dirty="0"/>
+              <a:t>App Interface </a:t>
+            </a:r>
+          </a:p>
+        </p:txBody>
+      </p:sp>
+    </p:spTree>
+    <p:extLst>
+      <p:ext uri="{BB962C8B-B14F-4D97-AF65-F5344CB8AC3E}">
+        <p14:creationId xmlns:p14="http://schemas.microsoft.com/office/powerpoint/2010/main" val="928804699"/>
+      </p:ext>
+    </p:extLst>
+  </p:cSld>
+  <p:clrMapOvr>
+    <a:masterClrMapping/>
+  </p:clrMapOvr>
+</p:sld>
+</file>
+
+<file path=ppt/slides/slide16.xml><?xml version="1.0" encoding="utf-8"?>
+<p:sld xmlns:a="http://schemas.openxmlformats.org/drawingml/2006/main" xmlns:r="http://schemas.openxmlformats.org/officeDocument/2006/relationships" xmlns:p="http://schemas.openxmlformats.org/presentationml/2006/main">
+  <p:cSld>
+    <p:spTree>
+      <p:nvGrpSpPr>
+        <p:cNvPr id="1" name=""/>
+        <p:cNvGrpSpPr/>
+        <p:nvPr/>
+      </p:nvGrpSpPr>
+      <p:grpSpPr>
+        <a:xfrm>
+          <a:off x="0" y="0"/>
+          <a:ext cx="0" cy="0"/>
+          <a:chOff x="0" y="0"/>
+          <a:chExt cx="0" cy="0"/>
+        </a:xfrm>
+      </p:grpSpPr>
+      <p:pic>
+        <p:nvPicPr>
+          <p:cNvPr id="5" name="Content Placeholder 4">
+            <a:extLst>
+              <a:ext uri="{FF2B5EF4-FFF2-40B4-BE49-F238E27FC236}">
+                <a16:creationId xmlns:a16="http://schemas.microsoft.com/office/drawing/2014/main" id="{C73E98FF-032D-4520-B7FA-E0A40E9F4C69}"/>
+              </a:ext>
+            </a:extLst>
+          </p:cNvPr>
+          <p:cNvPicPr>
+            <a:picLocks noGrp="1" noChangeAspect="1"/>
+          </p:cNvPicPr>
+          <p:nvPr>
+            <p:ph idx="1"/>
+          </p:nvPr>
+        </p:nvPicPr>
+        <p:blipFill>
+          <a:blip r:embed="rId2"/>
+          <a:stretch>
+            <a:fillRect/>
+          </a:stretch>
+        </p:blipFill>
+        <p:spPr>
+          <a:xfrm>
+            <a:off x="2967447" y="231362"/>
+            <a:ext cx="6257105" cy="6395276"/>
+          </a:xfrm>
+        </p:spPr>
+      </p:pic>
+    </p:spTree>
+    <p:extLst>
+      <p:ext uri="{BB962C8B-B14F-4D97-AF65-F5344CB8AC3E}">
+        <p14:creationId xmlns:p14="http://schemas.microsoft.com/office/powerpoint/2010/main" val="950271200"/>
+      </p:ext>
+    </p:extLst>
+  </p:cSld>
+  <p:clrMapOvr>
+    <a:masterClrMapping/>
+  </p:clrMapOvr>
+</p:sld>
+</file>
+
+<file path=ppt/slides/slide17.xml><?xml version="1.0" encoding="utf-8"?>
+<p:sld xmlns:a="http://schemas.openxmlformats.org/drawingml/2006/main" xmlns:r="http://schemas.openxmlformats.org/officeDocument/2006/relationships" xmlns:p="http://schemas.openxmlformats.org/presentationml/2006/main">
+  <p:cSld>
+    <p:spTree>
+      <p:nvGrpSpPr>
+        <p:cNvPr id="1" name=""/>
+        <p:cNvGrpSpPr/>
+        <p:nvPr/>
+      </p:nvGrpSpPr>
+      <p:grpSpPr>
+        <a:xfrm>
+          <a:off x="0" y="0"/>
+          <a:ext cx="0" cy="0"/>
+          <a:chOff x="0" y="0"/>
+          <a:chExt cx="0" cy="0"/>
+        </a:xfrm>
+      </p:grpSpPr>
+      <p:sp>
+        <p:nvSpPr>
+          <p:cNvPr id="2" name="Title 1">
+            <a:extLst>
+              <a:ext uri="{FF2B5EF4-FFF2-40B4-BE49-F238E27FC236}">
+                <a16:creationId xmlns:a16="http://schemas.microsoft.com/office/drawing/2014/main" id="{68E6238C-2C28-49E2-827F-88C2065DFABA}"/>
+              </a:ext>
+            </a:extLst>
+          </p:cNvPr>
+          <p:cNvSpPr>
+            <a:spLocks noGrp="1"/>
+          </p:cNvSpPr>
+          <p:nvPr>
+            <p:ph type="title"/>
+          </p:nvPr>
+        </p:nvSpPr>
+        <p:spPr>
+          <a:xfrm>
+            <a:off x="684212" y="685800"/>
+            <a:ext cx="8534400" cy="1507067"/>
+          </a:xfrm>
+        </p:spPr>
+        <p:txBody>
+          <a:bodyPr/>
+          <a:lstStyle/>
+          <a:p>
+            <a:r>
+              <a:rPr lang="en-US" dirty="0"/>
+              <a:t>Discussion </a:t>
+            </a:r>
+          </a:p>
+        </p:txBody>
+      </p:sp>
+      <p:sp>
+        <p:nvSpPr>
+          <p:cNvPr id="3" name="Content Placeholder 2">
+            <a:extLst>
+              <a:ext uri="{FF2B5EF4-FFF2-40B4-BE49-F238E27FC236}">
+                <a16:creationId xmlns:a16="http://schemas.microsoft.com/office/drawing/2014/main" id="{FBB03B46-15F4-440E-B6E7-F737D8CB7167}"/>
+              </a:ext>
+            </a:extLst>
+          </p:cNvPr>
+          <p:cNvSpPr>
+            <a:spLocks noGrp="1"/>
+          </p:cNvSpPr>
+          <p:nvPr>
+            <p:ph idx="1"/>
+          </p:nvPr>
+        </p:nvSpPr>
+        <p:spPr>
+          <a:xfrm>
+            <a:off x="684212" y="2192867"/>
+            <a:ext cx="8534400" cy="3615267"/>
+          </a:xfrm>
+        </p:spPr>
+        <p:txBody>
+          <a:bodyPr/>
+          <a:lstStyle/>
+          <a:p>
+            <a:r>
+              <a:rPr lang="en-US" sz="3200" dirty="0">
+                <a:solidFill>
+                  <a:schemeClr val="tx1"/>
+                </a:solidFill>
+              </a:rPr>
+              <a:t>Is it feasible in practice?</a:t>
+            </a:r>
+          </a:p>
+          <a:p>
+            <a:r>
+              <a:rPr lang="en-US" sz="3200" dirty="0">
+                <a:solidFill>
+                  <a:schemeClr val="tx1"/>
+                </a:solidFill>
+              </a:rPr>
+              <a:t>Proof of concept for how we might re-think application of technology to problems in public health. </a:t>
+            </a:r>
+          </a:p>
+          <a:p>
+            <a:endParaRPr lang="en-US" dirty="0"/>
+          </a:p>
+        </p:txBody>
+      </p:sp>
+    </p:spTree>
+    <p:extLst>
+      <p:ext uri="{BB962C8B-B14F-4D97-AF65-F5344CB8AC3E}">
+        <p14:creationId xmlns:p14="http://schemas.microsoft.com/office/powerpoint/2010/main" val="158600556"/>
+      </p:ext>
+    </p:extLst>
+  </p:cSld>
+  <p:clrMapOvr>
+    <a:masterClrMapping/>
+  </p:clrMapOvr>
+</p:sld>
+</file>
+
+<file path=ppt/slides/slide18.xml><?xml version="1.0" encoding="utf-8"?>
+<p:sld xmlns:a="http://schemas.openxmlformats.org/drawingml/2006/main" xmlns:r="http://schemas.openxmlformats.org/officeDocument/2006/relationships" xmlns:p="http://schemas.openxmlformats.org/presentationml/2006/main">
+  <p:cSld>
+    <p:spTree>
+      <p:nvGrpSpPr>
+        <p:cNvPr id="1" name=""/>
+        <p:cNvGrpSpPr/>
+        <p:nvPr/>
+      </p:nvGrpSpPr>
+      <p:grpSpPr>
+        <a:xfrm>
+          <a:off x="0" y="0"/>
+          <a:ext cx="0" cy="0"/>
+          <a:chOff x="0" y="0"/>
+          <a:chExt cx="0" cy="0"/>
+        </a:xfrm>
+      </p:grpSpPr>
+      <p:sp>
+        <p:nvSpPr>
+          <p:cNvPr id="2" name="Title 1">
+            <a:extLst>
+              <a:ext uri="{FF2B5EF4-FFF2-40B4-BE49-F238E27FC236}">
+                <a16:creationId xmlns:a16="http://schemas.microsoft.com/office/drawing/2014/main" id="{12F84B21-374B-4959-B871-74DC31D3AD90}"/>
+              </a:ext>
+            </a:extLst>
+          </p:cNvPr>
+          <p:cNvSpPr>
+            <a:spLocks noGrp="1"/>
+          </p:cNvSpPr>
+          <p:nvPr>
+            <p:ph type="title"/>
+          </p:nvPr>
+        </p:nvSpPr>
+        <p:spPr>
+          <a:xfrm>
+            <a:off x="684212" y="483503"/>
+            <a:ext cx="8534400" cy="1507067"/>
+          </a:xfrm>
+        </p:spPr>
+        <p:txBody>
+          <a:bodyPr/>
+          <a:lstStyle/>
+          <a:p>
+            <a:r>
+              <a:rPr lang="en-US" dirty="0"/>
+              <a:t>Work cited </a:t>
+            </a:r>
+          </a:p>
+        </p:txBody>
+      </p:sp>
+      <p:sp>
+        <p:nvSpPr>
+          <p:cNvPr id="3" name="Content Placeholder 2">
+            <a:extLst>
+              <a:ext uri="{FF2B5EF4-FFF2-40B4-BE49-F238E27FC236}">
+                <a16:creationId xmlns:a16="http://schemas.microsoft.com/office/drawing/2014/main" id="{76F3B720-4B2F-45C4-B0CD-F6CD9873B54B}"/>
+              </a:ext>
+            </a:extLst>
+          </p:cNvPr>
+          <p:cNvSpPr>
+            <a:spLocks noGrp="1"/>
+          </p:cNvSpPr>
+          <p:nvPr>
+            <p:ph idx="1"/>
+          </p:nvPr>
+        </p:nvSpPr>
+        <p:spPr>
+          <a:xfrm>
+            <a:off x="630315" y="1990570"/>
+            <a:ext cx="8534400" cy="3615267"/>
+          </a:xfrm>
+        </p:spPr>
+        <p:txBody>
+          <a:bodyPr>
+            <a:normAutofit fontScale="47500" lnSpcReduction="20000"/>
+          </a:bodyPr>
+          <a:lstStyle/>
+          <a:p>
+            <a:pPr lvl="0"/>
+            <a:r>
+              <a:rPr lang="en-US" dirty="0">
+                <a:solidFill>
+                  <a:schemeClr val="tx1"/>
+                </a:solidFill>
+              </a:rPr>
+              <a:t>Angell, S. Y., De Cock, K. M., &amp; Frieden, T. R. (2015). A public health approach to global management of hypertension. </a:t>
+            </a:r>
+            <a:r>
+              <a:rPr lang="en-US" i="1" dirty="0">
+                <a:solidFill>
+                  <a:schemeClr val="tx1"/>
+                </a:solidFill>
+              </a:rPr>
+              <a:t>The Lancet</a:t>
+            </a:r>
+            <a:r>
+              <a:rPr lang="en-US" dirty="0">
+                <a:solidFill>
+                  <a:schemeClr val="tx1"/>
+                </a:solidFill>
+              </a:rPr>
+              <a:t>, </a:t>
+            </a:r>
+            <a:r>
+              <a:rPr lang="en-US" i="1" dirty="0">
+                <a:solidFill>
+                  <a:schemeClr val="tx1"/>
+                </a:solidFill>
+              </a:rPr>
+              <a:t>385</a:t>
+            </a:r>
+            <a:r>
+              <a:rPr lang="en-US" dirty="0">
+                <a:solidFill>
+                  <a:schemeClr val="tx1"/>
+                </a:solidFill>
+              </a:rPr>
+              <a:t>(9970), 825-827.</a:t>
+            </a:r>
+          </a:p>
+          <a:p>
+            <a:r>
+              <a:rPr lang="en-US" dirty="0">
+                <a:solidFill>
+                  <a:schemeClr val="tx1"/>
+                </a:solidFill>
+              </a:rPr>
+              <a:t>Olsen, M. H., Angell, S. Y., Asma, S., </a:t>
+            </a:r>
+            <a:r>
+              <a:rPr lang="en-US" dirty="0" err="1">
+                <a:solidFill>
+                  <a:schemeClr val="tx1"/>
+                </a:solidFill>
+              </a:rPr>
+              <a:t>Boutouyrie</a:t>
+            </a:r>
+            <a:r>
+              <a:rPr lang="en-US" dirty="0">
+                <a:solidFill>
+                  <a:schemeClr val="tx1"/>
+                </a:solidFill>
+              </a:rPr>
+              <a:t>, P., Burger, D., Chirinos, J. A., ... &amp; López-Jaramillo, P. (2016). A call to action and a </a:t>
+            </a:r>
+            <a:r>
+              <a:rPr lang="en-US" dirty="0" err="1">
+                <a:solidFill>
+                  <a:schemeClr val="tx1"/>
+                </a:solidFill>
+              </a:rPr>
+              <a:t>lifecourse</a:t>
+            </a:r>
+            <a:r>
+              <a:rPr lang="en-US" dirty="0">
+                <a:solidFill>
+                  <a:schemeClr val="tx1"/>
+                </a:solidFill>
+              </a:rPr>
+              <a:t> strategy to address the global burden of raised blood pressure on current and future generations: the Lancet Commission on hypertension. </a:t>
+            </a:r>
+            <a:r>
+              <a:rPr lang="en-US" i="1" dirty="0">
+                <a:solidFill>
+                  <a:schemeClr val="tx1"/>
+                </a:solidFill>
+              </a:rPr>
+              <a:t>The Lancet</a:t>
+            </a:r>
+            <a:r>
+              <a:rPr lang="en-US" dirty="0">
+                <a:solidFill>
+                  <a:schemeClr val="tx1"/>
+                </a:solidFill>
+              </a:rPr>
+              <a:t>, </a:t>
+            </a:r>
+            <a:r>
+              <a:rPr lang="en-US" i="1" dirty="0">
+                <a:solidFill>
+                  <a:schemeClr val="tx1"/>
+                </a:solidFill>
+              </a:rPr>
+              <a:t>388</a:t>
+            </a:r>
+            <a:r>
+              <a:rPr lang="en-US" dirty="0">
+                <a:solidFill>
+                  <a:schemeClr val="tx1"/>
+                </a:solidFill>
+              </a:rPr>
+              <a:t>(10060), 2665-2712.</a:t>
+            </a:r>
+          </a:p>
+          <a:p>
+            <a:pPr lvl="0"/>
+            <a:r>
+              <a:rPr lang="en-US" dirty="0">
+                <a:solidFill>
+                  <a:schemeClr val="tx1"/>
+                </a:solidFill>
+              </a:rPr>
+              <a:t>Whelton, P. K., Carey, R. M., </a:t>
+            </a:r>
+            <a:r>
+              <a:rPr lang="en-US" dirty="0" err="1">
+                <a:solidFill>
+                  <a:schemeClr val="tx1"/>
+                </a:solidFill>
+              </a:rPr>
+              <a:t>Aronow</a:t>
+            </a:r>
+            <a:r>
+              <a:rPr lang="en-US" dirty="0">
+                <a:solidFill>
+                  <a:schemeClr val="tx1"/>
+                </a:solidFill>
+              </a:rPr>
+              <a:t>, W. S., Casey, D. E., Collins, K. J., Himmelfarb, C. D., ... &amp; </a:t>
+            </a:r>
+            <a:r>
+              <a:rPr lang="en-US" dirty="0" err="1">
+                <a:solidFill>
+                  <a:schemeClr val="tx1"/>
+                </a:solidFill>
+              </a:rPr>
+              <a:t>MacLaughlin</a:t>
+            </a:r>
+            <a:r>
+              <a:rPr lang="en-US" dirty="0">
+                <a:solidFill>
+                  <a:schemeClr val="tx1"/>
+                </a:solidFill>
+              </a:rPr>
+              <a:t>, E. J. (2018). 2017 ACC/AHA/AAPA/ABC/ACPM/AGS/</a:t>
+            </a:r>
+            <a:r>
+              <a:rPr lang="en-US" dirty="0" err="1">
+                <a:solidFill>
+                  <a:schemeClr val="tx1"/>
+                </a:solidFill>
+              </a:rPr>
+              <a:t>APhA</a:t>
+            </a:r>
+            <a:r>
+              <a:rPr lang="en-US" dirty="0">
+                <a:solidFill>
+                  <a:schemeClr val="tx1"/>
+                </a:solidFill>
+              </a:rPr>
+              <a:t>/ASH/ASPC/NMA/PCNA guideline for the prevention, detection, evaluation, and management of high blood pressure in adults: a report of the American College of Cardiology/American Heart Association Task Force on Clinical Practice Guidelines. </a:t>
+            </a:r>
+            <a:r>
+              <a:rPr lang="en-US" i="1" dirty="0">
+                <a:solidFill>
+                  <a:schemeClr val="tx1"/>
+                </a:solidFill>
+              </a:rPr>
+              <a:t>Journal of the American College of Cardiology</a:t>
+            </a:r>
+            <a:r>
+              <a:rPr lang="en-US" dirty="0">
+                <a:solidFill>
+                  <a:schemeClr val="tx1"/>
+                </a:solidFill>
+              </a:rPr>
+              <a:t>, </a:t>
+            </a:r>
+            <a:r>
+              <a:rPr lang="en-US" i="1" dirty="0">
+                <a:solidFill>
+                  <a:schemeClr val="tx1"/>
+                </a:solidFill>
+              </a:rPr>
+              <a:t>71</a:t>
+            </a:r>
+            <a:r>
+              <a:rPr lang="en-US" dirty="0">
+                <a:solidFill>
+                  <a:schemeClr val="tx1"/>
+                </a:solidFill>
+              </a:rPr>
+              <a:t>(19), e127-e248.</a:t>
+            </a:r>
+          </a:p>
+          <a:p>
+            <a:pPr lvl="0"/>
+            <a:r>
+              <a:rPr lang="en-US" dirty="0">
+                <a:solidFill>
+                  <a:schemeClr val="tx1"/>
+                </a:solidFill>
+              </a:rPr>
+              <a:t>Harris, J. K., Beatty, K., </a:t>
+            </a:r>
+            <a:r>
+              <a:rPr lang="en-US" dirty="0" err="1">
+                <a:solidFill>
+                  <a:schemeClr val="tx1"/>
+                </a:solidFill>
+              </a:rPr>
+              <a:t>Leider</a:t>
+            </a:r>
+            <a:r>
+              <a:rPr lang="en-US" dirty="0">
+                <a:solidFill>
+                  <a:schemeClr val="tx1"/>
+                </a:solidFill>
+              </a:rPr>
+              <a:t>, J. P., Knudson, A., Anderson, B. L., &amp; </a:t>
+            </a:r>
+            <a:r>
+              <a:rPr lang="en-US" dirty="0" err="1">
+                <a:solidFill>
+                  <a:schemeClr val="tx1"/>
+                </a:solidFill>
+              </a:rPr>
+              <a:t>Meit</a:t>
+            </a:r>
+            <a:r>
+              <a:rPr lang="en-US" dirty="0">
+                <a:solidFill>
+                  <a:schemeClr val="tx1"/>
+                </a:solidFill>
+              </a:rPr>
+              <a:t>, M. (2016). The double disparity facing rural local health departments. </a:t>
+            </a:r>
+            <a:r>
+              <a:rPr lang="en-US" i="1" dirty="0">
+                <a:solidFill>
+                  <a:schemeClr val="tx1"/>
+                </a:solidFill>
+              </a:rPr>
+              <a:t>Annual review of public health</a:t>
+            </a:r>
+            <a:r>
+              <a:rPr lang="en-US" dirty="0">
+                <a:solidFill>
+                  <a:schemeClr val="tx1"/>
+                </a:solidFill>
+              </a:rPr>
+              <a:t>, </a:t>
+            </a:r>
+            <a:r>
+              <a:rPr lang="en-US" i="1" dirty="0">
+                <a:solidFill>
+                  <a:schemeClr val="tx1"/>
+                </a:solidFill>
+              </a:rPr>
+              <a:t>37</a:t>
+            </a:r>
+            <a:r>
+              <a:rPr lang="en-US" dirty="0">
+                <a:solidFill>
+                  <a:schemeClr val="tx1"/>
+                </a:solidFill>
+              </a:rPr>
+              <a:t>, 167-184.</a:t>
+            </a:r>
+          </a:p>
+          <a:p>
+            <a:pPr lvl="0"/>
+            <a:r>
+              <a:rPr lang="en-US" dirty="0">
+                <a:solidFill>
+                  <a:schemeClr val="tx1"/>
+                </a:solidFill>
+              </a:rPr>
+              <a:t>Golino, H. F., Amaral, L. S. D. B., Duarte, S. F. P., Gomes, C. M. A., Soares, T. D. J., Reis, L. A. D., &amp; Santos, J. (2014). Predicting increased blood pressure using machine learning. Journal of obesity, 2014.</a:t>
+            </a:r>
+          </a:p>
+          <a:p>
+            <a:pPr lvl="0"/>
+            <a:r>
+              <a:rPr lang="en-US" dirty="0">
+                <a:solidFill>
+                  <a:schemeClr val="tx1"/>
+                </a:solidFill>
+              </a:rPr>
+              <a:t>Centers for Disease Control and Prevention (CDC). (2019). National Health and Nutrition Examination Survey Questionnaire (NHANES). U.S. Department of Health and Human Services, Centers for Disease Control and Prevention. </a:t>
+            </a:r>
+            <a:r>
+              <a:rPr lang="en-US" u="sng" dirty="0">
+                <a:solidFill>
+                  <a:schemeClr val="tx1"/>
+                </a:solidFill>
+                <a:hlinkClick r:id="rId2">
+                  <a:extLst>
+                    <a:ext uri="{A12FA001-AC4F-418D-AE19-62706E023703}">
+                      <ahyp:hlinkClr xmlns:ahyp="http://schemas.microsoft.com/office/drawing/2018/hyperlinkcolor" val="tx"/>
+                    </a:ext>
+                  </a:extLst>
+                </a:hlinkClick>
+              </a:rPr>
+              <a:t>https://wwwn.cdc.gov/nchs/nhanes/Default.aspx</a:t>
+            </a:r>
+            <a:r>
+              <a:rPr lang="en-US" dirty="0">
+                <a:solidFill>
+                  <a:schemeClr val="tx1"/>
+                </a:solidFill>
+              </a:rPr>
+              <a:t>.</a:t>
+            </a:r>
+          </a:p>
+          <a:p>
+            <a:r>
+              <a:rPr lang="en-US" dirty="0">
+                <a:solidFill>
+                  <a:schemeClr val="tx1"/>
+                </a:solidFill>
+                <a:hlinkClick r:id="rId3">
+                  <a:extLst>
+                    <a:ext uri="{A12FA001-AC4F-418D-AE19-62706E023703}">
+                      <ahyp:hlinkClr xmlns:ahyp="http://schemas.microsoft.com/office/drawing/2018/hyperlinkcolor" val="tx"/>
+                    </a:ext>
+                  </a:extLst>
+                </a:hlinkClick>
+              </a:rPr>
+              <a:t>https://www.getqardio.com/healthy-heart-blog/monitoring-blood-pressure-home/</a:t>
+            </a:r>
+            <a:r>
+              <a:rPr lang="en-US" dirty="0">
+                <a:solidFill>
+                  <a:schemeClr val="tx1"/>
+                </a:solidFill>
+              </a:rPr>
+              <a:t> (2019). </a:t>
+            </a:r>
+          </a:p>
+          <a:p>
+            <a:r>
+              <a:rPr lang="en-US" dirty="0">
+                <a:solidFill>
+                  <a:schemeClr val="tx1"/>
+                </a:solidFill>
+                <a:hlinkClick r:id="rId4">
+                  <a:extLst>
+                    <a:ext uri="{A12FA001-AC4F-418D-AE19-62706E023703}">
+                      <ahyp:hlinkClr xmlns:ahyp="http://schemas.microsoft.com/office/drawing/2018/hyperlinkcolor" val="tx"/>
+                    </a:ext>
+                  </a:extLst>
+                </a:hlinkClick>
+              </a:rPr>
+              <a:t>https://today.mims.com/the-role-of-blood-pressure-devices-measurement-accuracy</a:t>
+            </a:r>
+            <a:r>
+              <a:rPr lang="en-US" dirty="0">
+                <a:solidFill>
+                  <a:schemeClr val="tx1"/>
+                </a:solidFill>
+              </a:rPr>
+              <a:t> (2019). </a:t>
+            </a:r>
+          </a:p>
+          <a:p>
+            <a:r>
+              <a:rPr lang="en-US" dirty="0">
+                <a:solidFill>
+                  <a:schemeClr val="tx1"/>
+                </a:solidFill>
+                <a:hlinkClick r:id="rId5">
+                  <a:extLst>
+                    <a:ext uri="{A12FA001-AC4F-418D-AE19-62706E023703}">
+                      <ahyp:hlinkClr xmlns:ahyp="http://schemas.microsoft.com/office/drawing/2018/hyperlinkcolor" val="tx"/>
+                    </a:ext>
+                  </a:extLst>
+                </a:hlinkClick>
+              </a:rPr>
+              <a:t>https://www.mayoclinic.org/diseases-conditions/high-blood-pressure/diagnosis-treatment/drc-20373417</a:t>
+            </a:r>
+            <a:r>
+              <a:rPr lang="en-US" dirty="0">
+                <a:solidFill>
+                  <a:schemeClr val="tx1"/>
+                </a:solidFill>
+              </a:rPr>
+              <a:t> (2019).</a:t>
+            </a:r>
+          </a:p>
+          <a:p>
+            <a:r>
+              <a:rPr lang="en-US" dirty="0">
+                <a:solidFill>
+                  <a:schemeClr val="tx1"/>
+                </a:solidFill>
+                <a:hlinkClick r:id="rId6">
+                  <a:extLst>
+                    <a:ext uri="{A12FA001-AC4F-418D-AE19-62706E023703}">
+                      <ahyp:hlinkClr xmlns:ahyp="http://schemas.microsoft.com/office/drawing/2018/hyperlinkcolor" val="tx"/>
+                    </a:ext>
+                  </a:extLst>
+                </a:hlinkClick>
+              </a:rPr>
+              <a:t>https://www.mathworks.com/help/stats/mahal.html</a:t>
+            </a:r>
+            <a:r>
+              <a:rPr lang="en-US" dirty="0">
+                <a:solidFill>
+                  <a:schemeClr val="tx1"/>
+                </a:solidFill>
+              </a:rPr>
+              <a:t> (2019).</a:t>
+            </a:r>
+          </a:p>
+          <a:p>
+            <a:endParaRPr lang="en-US" dirty="0"/>
+          </a:p>
+          <a:p>
+            <a:endParaRPr lang="en-US" dirty="0"/>
+          </a:p>
+        </p:txBody>
+      </p:sp>
+    </p:spTree>
+    <p:extLst>
+      <p:ext uri="{BB962C8B-B14F-4D97-AF65-F5344CB8AC3E}">
+        <p14:creationId xmlns:p14="http://schemas.microsoft.com/office/powerpoint/2010/main" val="2299072436"/>
       </p:ext>
     </p:extLst>
   </p:cSld>
@@ -5463,15 +7446,17 @@
         </p:nvSpPr>
         <p:spPr>
           <a:xfrm>
-            <a:off x="684212" y="2296069"/>
+            <a:off x="329104" y="1924317"/>
             <a:ext cx="7040563" cy="3615267"/>
           </a:xfrm>
         </p:spPr>
         <p:txBody>
-          <a:bodyPr/>
-          <a:lstStyle/>
-          <a:p>
-            <a:endParaRPr lang="en-US" dirty="0">
+          <a:bodyPr>
+            <a:normAutofit fontScale="55000" lnSpcReduction="20000"/>
+          </a:bodyPr>
+          <a:lstStyle/>
+          <a:p>
+            <a:endParaRPr lang="en-US" sz="5100" dirty="0">
               <a:solidFill>
                 <a:schemeClr val="tx1"/>
               </a:solidFill>
@@ -5479,7 +7464,7 @@
           </a:p>
           <a:p>
             <a:r>
-              <a:rPr lang="en-US" dirty="0">
+              <a:rPr lang="en-US" sz="5100" dirty="0">
                 <a:solidFill>
                   <a:schemeClr val="tx1"/>
                 </a:solidFill>
@@ -5490,7 +7475,7 @@
           <a:p>
             <a:pPr lvl="1"/>
             <a:r>
-              <a:rPr lang="en-US" dirty="0">
+              <a:rPr lang="en-US" sz="5100" dirty="0">
                 <a:solidFill>
                   <a:schemeClr val="tx1"/>
                 </a:solidFill>
@@ -5501,7 +7486,7 @@
           <a:p>
             <a:pPr lvl="1"/>
             <a:r>
-              <a:rPr lang="en-US" dirty="0">
+              <a:rPr lang="en-US" sz="5100" dirty="0">
                 <a:solidFill>
                   <a:schemeClr val="tx1"/>
                 </a:solidFill>
@@ -5543,8 +7528,8 @@
         </p:blipFill>
         <p:spPr>
           <a:xfrm>
-            <a:off x="7630404" y="1170783"/>
-            <a:ext cx="4561596" cy="5070219"/>
+            <a:off x="7369667" y="871449"/>
+            <a:ext cx="4822333" cy="5805575"/>
           </a:xfrm>
           <a:prstGeom prst="rect">
             <a:avLst/>
@@ -5632,32 +7617,56 @@
         </p:nvSpPr>
         <p:spPr>
           <a:xfrm>
-            <a:off x="846137" y="1681055"/>
-            <a:ext cx="6382908" cy="3379218"/>
+            <a:off x="221942" y="1681055"/>
+            <a:ext cx="7007103" cy="3379218"/>
           </a:xfrm>
         </p:spPr>
         <p:txBody>
-          <a:bodyPr/>
-          <a:lstStyle/>
-          <a:p>
-            <a:r>
-              <a:rPr lang="en-US" dirty="0">
+          <a:bodyPr>
+            <a:normAutofit/>
+          </a:bodyPr>
+          <a:lstStyle/>
+          <a:p>
+            <a:r>
+              <a:rPr lang="en-US" sz="3200" dirty="0">
                 <a:solidFill>
                   <a:schemeClr val="tx1"/>
                 </a:solidFill>
               </a:rPr>
-              <a:t>Litany of measurement devices and calibration issues.</a:t>
+              <a:t>Litany of measurement errors.</a:t>
             </a:r>
           </a:p>
           <a:p>
             <a:pPr lvl="1"/>
             <a:r>
-              <a:rPr lang="en-US" dirty="0">
+              <a:rPr lang="en-US" sz="3200" dirty="0">
                 <a:solidFill>
                   <a:schemeClr val="tx1"/>
                 </a:solidFill>
               </a:rPr>
-              <a:t>Electronic devices   </a:t>
+              <a:t>Human Errors  </a:t>
+            </a:r>
+          </a:p>
+          <a:p>
+            <a:pPr lvl="1"/>
+            <a:r>
+              <a:rPr lang="en-US" sz="3200" dirty="0">
+                <a:solidFill>
+                  <a:schemeClr val="tx1"/>
+                </a:solidFill>
+              </a:rPr>
+              <a:t>Instrument Errors</a:t>
+            </a:r>
+          </a:p>
+          <a:p>
+            <a:pPr lvl="2"/>
+            <a:r>
+              <a:rPr lang="en-US" sz="3000" dirty="0">
+                <a:solidFill>
+                  <a:schemeClr val="tx1"/>
+                </a:solidFill>
+              </a:rPr>
+              <a:t>Electronic Instruments</a:t>
             </a:r>
           </a:p>
         </p:txBody>
@@ -5803,16 +7812,18 @@
         </p:nvSpPr>
         <p:spPr>
           <a:xfrm>
-            <a:off x="950542" y="2567703"/>
-            <a:ext cx="6102350" cy="3429000"/>
+            <a:off x="950542" y="2070553"/>
+            <a:ext cx="6568844" cy="3557890"/>
           </a:xfrm>
         </p:spPr>
         <p:txBody>
-          <a:bodyPr/>
-          <a:lstStyle/>
-          <a:p>
-            <a:r>
-              <a:rPr lang="en-US" dirty="0">
+          <a:bodyPr>
+            <a:normAutofit/>
+          </a:bodyPr>
+          <a:lstStyle/>
+          <a:p>
+            <a:r>
+              <a:rPr lang="en-US" sz="3200" dirty="0">
                 <a:solidFill>
                   <a:schemeClr val="tx1"/>
                 </a:solidFill>
@@ -5823,7 +7834,7 @@
           <a:p>
             <a:pPr lvl="1"/>
             <a:r>
-              <a:rPr lang="en-US" dirty="0">
+              <a:rPr lang="en-US" sz="3200" dirty="0">
                 <a:solidFill>
                   <a:schemeClr val="tx1"/>
                 </a:solidFill>
@@ -5832,14 +7843,25 @@
             </a:r>
           </a:p>
           <a:p>
-            <a:pPr lvl="1"/>
-            <a:r>
-              <a:rPr lang="en-US" dirty="0">
+            <a:pPr lvl="2"/>
+            <a:r>
+              <a:rPr lang="en-US" sz="3000" dirty="0">
                 <a:solidFill>
                   <a:schemeClr val="tx1"/>
                 </a:solidFill>
               </a:rPr>
-              <a:t>Rely on error prone devices. </a:t>
+              <a:t>Expensive Tech</a:t>
+            </a:r>
+          </a:p>
+          <a:p>
+            <a:pPr lvl="2"/>
+            <a:r>
+              <a:rPr lang="en-US" sz="3000" dirty="0">
+                <a:solidFill>
+                  <a:schemeClr val="tx1"/>
+                </a:solidFill>
+              </a:rPr>
+              <a:t>High Efficacy </a:t>
             </a:r>
           </a:p>
         </p:txBody>
@@ -5955,8 +7977,8 @@
         </p:nvSpPr>
         <p:spPr>
           <a:xfrm>
-            <a:off x="826255" y="1848527"/>
-            <a:ext cx="8534400" cy="3615267"/>
+            <a:off x="826254" y="1848527"/>
+            <a:ext cx="9241023" cy="3673384"/>
           </a:xfrm>
         </p:spPr>
         <p:txBody>
@@ -5964,31 +7986,24 @@
           <a:lstStyle/>
           <a:p>
             <a:r>
-              <a:rPr lang="en-US" dirty="0">
+              <a:rPr lang="en-US" sz="3200" dirty="0">
                 <a:solidFill>
                   <a:schemeClr val="tx1"/>
                 </a:solidFill>
               </a:rPr>
-              <a:t>There is a need for tool that can detect outliers in blood pressure measurements due calibration issues that is accessible in variety of health settings. </a:t>
+              <a:t>We need to think about how technology can serve larger audiences. </a:t>
             </a:r>
           </a:p>
           <a:p>
             <a:pPr lvl="1"/>
             <a:r>
-              <a:rPr lang="en-US" dirty="0">
+              <a:rPr lang="en-US" sz="3200" dirty="0">
                 <a:solidFill>
                   <a:schemeClr val="tx1"/>
                 </a:solidFill>
               </a:rPr>
-              <a:t>Proposal: Use machine learning to predict a baseline blood pressure that can be used to detect if an observed blood pressure is a result to calibration issues. </a:t>
-            </a:r>
-          </a:p>
-          <a:p>
-            <a:endParaRPr lang="en-US" dirty="0">
-              <a:solidFill>
-                <a:schemeClr val="tx1"/>
-              </a:solidFill>
-            </a:endParaRPr>
+              <a:t>Proposal: Use machine learning to build a tool that predicts whether an observed blood pressure is due to measurement error. </a:t>
+            </a:r>
           </a:p>
         </p:txBody>
       </p:sp>
@@ -6008,31 +8023,6 @@
 <file path=ppt/slides/slide6.xml><?xml version="1.0" encoding="utf-8"?>
 <p:sld xmlns:a="http://schemas.openxmlformats.org/drawingml/2006/main" xmlns:r="http://schemas.openxmlformats.org/officeDocument/2006/relationships" xmlns:p="http://schemas.openxmlformats.org/presentationml/2006/main">
   <p:cSld>
-    <p:bg>
-      <p:bgPr>
-        <a:gradFill rotWithShape="1">
-          <a:gsLst>
-            <a:gs pos="10000">
-              <a:schemeClr val="bg2">
-                <a:tint val="97000"/>
-                <a:hueMod val="92000"/>
-                <a:satMod val="169000"/>
-                <a:lumMod val="164000"/>
-              </a:schemeClr>
-            </a:gs>
-            <a:gs pos="100000">
-              <a:schemeClr val="bg2">
-                <a:shade val="96000"/>
-                <a:satMod val="120000"/>
-                <a:lumMod val="90000"/>
-              </a:schemeClr>
-            </a:gs>
-          </a:gsLst>
-          <a:lin ang="6120000" scaled="1"/>
-        </a:gradFill>
-        <a:effectLst/>
-      </p:bgPr>
-    </p:bg>
     <p:spTree>
       <p:nvGrpSpPr>
         <p:cNvPr id="1" name=""/>
@@ -6047,72 +8037,45 @@
           <a:chExt cx="0" cy="0"/>
         </a:xfrm>
       </p:grpSpPr>
-      <p:sp useBgFill="1">
-        <p:nvSpPr>
-          <p:cNvPr id="13" name="Rectangle 12">
+      <p:sp>
+        <p:nvSpPr>
+          <p:cNvPr id="2" name="Title 1">
             <a:extLst>
               <a:ext uri="{FF2B5EF4-FFF2-40B4-BE49-F238E27FC236}">
-                <a16:creationId xmlns:a16="http://schemas.microsoft.com/office/drawing/2014/main" id="{CBEC666E-043C-4EA7-B3A5-55D2F52D57E5}"/>
-              </a:ext>
-              <a:ext uri="{C183D7F6-B498-43B3-948B-1728B52AA6E4}">
-                <adec:decorative xmlns:adec="http://schemas.microsoft.com/office/drawing/2017/decorative" val="1"/>
+                <a16:creationId xmlns:a16="http://schemas.microsoft.com/office/drawing/2014/main" id="{8DC25640-4EB5-4A88-8B8D-FA97E8ECC656}"/>
               </a:ext>
             </a:extLst>
           </p:cNvPr>
           <p:cNvSpPr>
-            <a:spLocks noGrp="1" noRot="1" noChangeAspect="1" noMove="1" noResize="1" noEditPoints="1" noAdjustHandles="1" noChangeArrowheads="1" noChangeShapeType="1" noTextEdit="1"/>
-          </p:cNvSpPr>
-          <p:nvPr>
-            <p:extLst>
-              <p:ext uri="{386F3935-93C4-4BCD-93E2-E3B085C9AB24}">
-                <p16:designElem xmlns:p16="http://schemas.microsoft.com/office/powerpoint/2015/main" val="1"/>
-              </p:ext>
-            </p:extLst>
+            <a:spLocks noGrp="1"/>
+          </p:cNvSpPr>
+          <p:nvPr>
+            <p:ph type="title"/>
           </p:nvPr>
         </p:nvSpPr>
         <p:spPr>
           <a:xfrm>
-            <a:off x="0" y="0"/>
-            <a:ext cx="12192000" cy="6858000"/>
+            <a:off x="1332282" y="373806"/>
+            <a:ext cx="8534400" cy="1507067"/>
           </a:xfrm>
-          <a:prstGeom prst="rect">
-            <a:avLst/>
-          </a:prstGeom>
-          <a:ln>
-            <a:noFill/>
-          </a:ln>
         </p:spPr>
-        <p:style>
-          <a:lnRef idx="2">
-            <a:schemeClr val="accent1">
-              <a:shade val="50000"/>
-            </a:schemeClr>
-          </a:lnRef>
-          <a:fillRef idx="1">
-            <a:schemeClr val="accent1"/>
-          </a:fillRef>
-          <a:effectRef idx="0">
-            <a:schemeClr val="accent1"/>
-          </a:effectRef>
-          <a:fontRef idx="minor">
-            <a:schemeClr val="lt1"/>
-          </a:fontRef>
-        </p:style>
-        <p:txBody>
-          <a:bodyPr rtlCol="0" anchor="ctr"/>
-          <a:lstStyle/>
-          <a:p>
-            <a:pPr algn="ctr"/>
-            <a:endParaRPr lang="en-US"/>
-          </a:p>
-        </p:txBody>
-      </p:sp>
-      <p:sp>
-        <p:nvSpPr>
-          <p:cNvPr id="2" name="Title 1">
+        <p:txBody>
+          <a:bodyPr/>
+          <a:lstStyle/>
+          <a:p>
+            <a:r>
+              <a:rPr lang="en-US" dirty="0"/>
+              <a:t>Steps </a:t>
+            </a:r>
+          </a:p>
+        </p:txBody>
+      </p:sp>
+      <p:sp>
+        <p:nvSpPr>
+          <p:cNvPr id="3" name="Content Placeholder 2">
             <a:extLst>
               <a:ext uri="{FF2B5EF4-FFF2-40B4-BE49-F238E27FC236}">
-                <a16:creationId xmlns:a16="http://schemas.microsoft.com/office/drawing/2014/main" id="{E6070ACD-AFAA-44C2-A1BA-068D358B0BD8}"/>
+                <a16:creationId xmlns:a16="http://schemas.microsoft.com/office/drawing/2014/main" id="{4A89FE05-4690-4760-8220-588A33311D3A}"/>
               </a:ext>
             </a:extLst>
           </p:cNvPr>
@@ -6120,13 +8083,13 @@
             <a:spLocks noGrp="1"/>
           </p:cNvSpPr>
           <p:nvPr>
-            <p:ph type="title"/>
+            <p:ph idx="1"/>
           </p:nvPr>
         </p:nvSpPr>
         <p:spPr>
           <a:xfrm>
-            <a:off x="4665034" y="481164"/>
-            <a:ext cx="5627258" cy="1507067"/>
+            <a:off x="1332282" y="1621366"/>
+            <a:ext cx="8534400" cy="3615267"/>
           </a:xfrm>
         </p:spPr>
         <p:txBody>
@@ -6136,581 +8099,40 @@
           <a:lstStyle/>
           <a:p>
             <a:r>
-              <a:rPr lang="en-US" dirty="0"/>
-              <a:t>Results </a:t>
-            </a:r>
-          </a:p>
-        </p:txBody>
-      </p:sp>
-      <p:sp>
-        <p:nvSpPr>
-          <p:cNvPr id="15" name="Snip Diagonal Corner Rectangle 16">
-            <a:extLst>
-              <a:ext uri="{FF2B5EF4-FFF2-40B4-BE49-F238E27FC236}">
-                <a16:creationId xmlns:a16="http://schemas.microsoft.com/office/drawing/2014/main" id="{D05C369B-0FDD-402D-9EE1-858137FB5D04}"/>
-              </a:ext>
-              <a:ext uri="{C183D7F6-B498-43B3-948B-1728B52AA6E4}">
-                <adec:decorative xmlns:adec="http://schemas.microsoft.com/office/drawing/2017/decorative" val="1"/>
-              </a:ext>
-            </a:extLst>
-          </p:cNvPr>
-          <p:cNvSpPr>
-            <a:spLocks noGrp="1" noRot="1" noChangeAspect="1" noMove="1" noResize="1" noEditPoints="1" noAdjustHandles="1" noChangeArrowheads="1" noChangeShapeType="1" noTextEdit="1"/>
-          </p:cNvSpPr>
-          <p:nvPr>
-            <p:extLst>
-              <p:ext uri="{386F3935-93C4-4BCD-93E2-E3B085C9AB24}">
-                <p16:designElem xmlns:p16="http://schemas.microsoft.com/office/powerpoint/2015/main" val="1"/>
-              </p:ext>
-            </p:extLst>
-          </p:nvPr>
-        </p:nvSpPr>
-        <p:spPr>
-          <a:xfrm>
-            <a:off x="634001" y="620722"/>
-            <a:ext cx="3670674" cy="5286838"/>
-          </a:xfrm>
-          <a:prstGeom prst="snip2DiagRect">
-            <a:avLst>
-              <a:gd name="adj1" fmla="val 11518"/>
-              <a:gd name="adj2" fmla="val 0"/>
-            </a:avLst>
-          </a:prstGeom>
-          <a:solidFill>
-            <a:schemeClr val="tx1"/>
-          </a:solidFill>
-          <a:ln>
-            <a:noFill/>
-          </a:ln>
-          <a:effectLst>
-            <a:innerShdw blurRad="57150" dist="38100" dir="14460000">
-              <a:prstClr val="black">
-                <a:alpha val="70000"/>
-              </a:prstClr>
-            </a:innerShdw>
-          </a:effectLst>
-        </p:spPr>
-        <p:style>
-          <a:lnRef idx="2">
-            <a:schemeClr val="accent1">
-              <a:shade val="50000"/>
-            </a:schemeClr>
-          </a:lnRef>
-          <a:fillRef idx="1">
-            <a:schemeClr val="accent1"/>
-          </a:fillRef>
-          <a:effectRef idx="0">
-            <a:schemeClr val="accent1"/>
-          </a:effectRef>
-          <a:fontRef idx="minor">
-            <a:schemeClr val="lt1"/>
-          </a:fontRef>
-        </p:style>
-        <p:txBody>
-          <a:bodyPr rtlCol="0" anchor="ctr"/>
-          <a:lstStyle/>
-          <a:p>
-            <a:pPr algn="ctr"/>
-            <a:endParaRPr lang="en-US"/>
-          </a:p>
-        </p:txBody>
-      </p:sp>
-      <p:pic>
-        <p:nvPicPr>
-          <p:cNvPr id="8" name="Picture 7">
-            <a:extLst>
-              <a:ext uri="{FF2B5EF4-FFF2-40B4-BE49-F238E27FC236}">
-                <a16:creationId xmlns:a16="http://schemas.microsoft.com/office/drawing/2014/main" id="{C50DDE61-62ED-4055-9E50-8C867754FEE7}"/>
-              </a:ext>
-            </a:extLst>
-          </p:cNvPr>
-          <p:cNvPicPr>
-            <a:picLocks noChangeAspect="1"/>
-          </p:cNvPicPr>
-          <p:nvPr/>
-        </p:nvPicPr>
-        <p:blipFill rotWithShape="1">
-          <a:blip r:embed="rId2"/>
-          <a:srcRect r="11595" b="-7"/>
-          <a:stretch/>
-        </p:blipFill>
-        <p:spPr>
-          <a:xfrm>
-            <a:off x="800558" y="786117"/>
-            <a:ext cx="3337560" cy="2404227"/>
-          </a:xfrm>
-          <a:custGeom>
-            <a:avLst/>
-            <a:gdLst>
-              <a:gd name="connsiteX0" fmla="*/ 384420 w 3337560"/>
-              <a:gd name="connsiteY0" fmla="*/ 0 h 2404227"/>
-              <a:gd name="connsiteX1" fmla="*/ 3337560 w 3337560"/>
-              <a:gd name="connsiteY1" fmla="*/ 0 h 2404227"/>
-              <a:gd name="connsiteX2" fmla="*/ 3337560 w 3337560"/>
-              <a:gd name="connsiteY2" fmla="*/ 2404227 h 2404227"/>
-              <a:gd name="connsiteX3" fmla="*/ 0 w 3337560"/>
-              <a:gd name="connsiteY3" fmla="*/ 2404227 h 2404227"/>
-              <a:gd name="connsiteX4" fmla="*/ 0 w 3337560"/>
-              <a:gd name="connsiteY4" fmla="*/ 384420 h 2404227"/>
-            </a:gdLst>
-            <a:ahLst/>
-            <a:cxnLst>
-              <a:cxn ang="0">
-                <a:pos x="connsiteX0" y="connsiteY0"/>
-              </a:cxn>
-              <a:cxn ang="0">
-                <a:pos x="connsiteX1" y="connsiteY1"/>
-              </a:cxn>
-              <a:cxn ang="0">
-                <a:pos x="connsiteX2" y="connsiteY2"/>
-              </a:cxn>
-              <a:cxn ang="0">
-                <a:pos x="connsiteX3" y="connsiteY3"/>
-              </a:cxn>
-              <a:cxn ang="0">
-                <a:pos x="connsiteX4" y="connsiteY4"/>
-              </a:cxn>
-            </a:cxnLst>
-            <a:rect l="l" t="t" r="r" b="b"/>
-            <a:pathLst>
-              <a:path w="3337560" h="2404227">
-                <a:moveTo>
-                  <a:pt x="384420" y="0"/>
-                </a:moveTo>
-                <a:lnTo>
-                  <a:pt x="3337560" y="0"/>
-                </a:lnTo>
-                <a:lnTo>
-                  <a:pt x="3337560" y="2404227"/>
-                </a:lnTo>
-                <a:lnTo>
-                  <a:pt x="0" y="2404227"/>
-                </a:lnTo>
-                <a:lnTo>
-                  <a:pt x="0" y="384420"/>
-                </a:lnTo>
-                <a:close/>
-              </a:path>
-            </a:pathLst>
-          </a:custGeom>
-        </p:spPr>
-      </p:pic>
-      <p:pic>
-        <p:nvPicPr>
-          <p:cNvPr id="6" name="Picture 5">
-            <a:extLst>
-              <a:ext uri="{FF2B5EF4-FFF2-40B4-BE49-F238E27FC236}">
-                <a16:creationId xmlns:a16="http://schemas.microsoft.com/office/drawing/2014/main" id="{4C36D632-0FD1-4558-99FB-EA2348B098C3}"/>
-              </a:ext>
-            </a:extLst>
-          </p:cNvPr>
-          <p:cNvPicPr>
-            <a:picLocks noChangeAspect="1"/>
-          </p:cNvPicPr>
-          <p:nvPr/>
-        </p:nvPicPr>
-        <p:blipFill rotWithShape="1">
-          <a:blip r:embed="rId3"/>
-          <a:srcRect r="11353" b="-4"/>
-          <a:stretch/>
-        </p:blipFill>
-        <p:spPr>
-          <a:xfrm>
-            <a:off x="800558" y="3344575"/>
-            <a:ext cx="3337560" cy="2397590"/>
-          </a:xfrm>
-          <a:custGeom>
-            <a:avLst/>
-            <a:gdLst>
-              <a:gd name="connsiteX0" fmla="*/ 0 w 3337560"/>
-              <a:gd name="connsiteY0" fmla="*/ 0 h 2397590"/>
-              <a:gd name="connsiteX1" fmla="*/ 3337560 w 3337560"/>
-              <a:gd name="connsiteY1" fmla="*/ 0 h 2397590"/>
-              <a:gd name="connsiteX2" fmla="*/ 3337560 w 3337560"/>
-              <a:gd name="connsiteY2" fmla="*/ 2013170 h 2397590"/>
-              <a:gd name="connsiteX3" fmla="*/ 2953140 w 3337560"/>
-              <a:gd name="connsiteY3" fmla="*/ 2397590 h 2397590"/>
-              <a:gd name="connsiteX4" fmla="*/ 0 w 3337560"/>
-              <a:gd name="connsiteY4" fmla="*/ 2397590 h 2397590"/>
-            </a:gdLst>
-            <a:ahLst/>
-            <a:cxnLst>
-              <a:cxn ang="0">
-                <a:pos x="connsiteX0" y="connsiteY0"/>
-              </a:cxn>
-              <a:cxn ang="0">
-                <a:pos x="connsiteX1" y="connsiteY1"/>
-              </a:cxn>
-              <a:cxn ang="0">
-                <a:pos x="connsiteX2" y="connsiteY2"/>
-              </a:cxn>
-              <a:cxn ang="0">
-                <a:pos x="connsiteX3" y="connsiteY3"/>
-              </a:cxn>
-              <a:cxn ang="0">
-                <a:pos x="connsiteX4" y="connsiteY4"/>
-              </a:cxn>
-            </a:cxnLst>
-            <a:rect l="l" t="t" r="r" b="b"/>
-            <a:pathLst>
-              <a:path w="3337560" h="2397590">
-                <a:moveTo>
-                  <a:pt x="0" y="0"/>
-                </a:moveTo>
-                <a:lnTo>
-                  <a:pt x="3337560" y="0"/>
-                </a:lnTo>
-                <a:lnTo>
-                  <a:pt x="3337560" y="2013170"/>
-                </a:lnTo>
-                <a:lnTo>
-                  <a:pt x="2953140" y="2397590"/>
-                </a:lnTo>
-                <a:lnTo>
-                  <a:pt x="0" y="2397590"/>
-                </a:lnTo>
-                <a:close/>
-              </a:path>
-            </a:pathLst>
-          </a:custGeom>
-        </p:spPr>
-      </p:pic>
-      <p:sp>
-        <p:nvSpPr>
-          <p:cNvPr id="3" name="Content Placeholder 2">
-            <a:extLst>
-              <a:ext uri="{FF2B5EF4-FFF2-40B4-BE49-F238E27FC236}">
-                <a16:creationId xmlns:a16="http://schemas.microsoft.com/office/drawing/2014/main" id="{F6ADA512-AE40-44AF-B068-D2D9C17C2D08}"/>
-              </a:ext>
-            </a:extLst>
-          </p:cNvPr>
-          <p:cNvSpPr>
-            <a:spLocks noGrp="1"/>
-          </p:cNvSpPr>
-          <p:nvPr>
-            <p:ph idx="1"/>
-          </p:nvPr>
-        </p:nvSpPr>
-        <p:spPr>
-          <a:xfrm>
-            <a:off x="4661861" y="876377"/>
-            <a:ext cx="6253792" cy="3615267"/>
-          </a:xfrm>
-        </p:spPr>
-        <p:txBody>
-          <a:bodyPr>
-            <a:normAutofit/>
-          </a:bodyPr>
-          <a:lstStyle/>
-          <a:p>
-            <a:r>
-              <a:rPr lang="en-US" dirty="0">
+              <a:rPr lang="en-US" sz="3200" dirty="0">
                 <a:solidFill>
                   <a:schemeClr val="tx1"/>
                 </a:solidFill>
               </a:rPr>
-              <a:t>Using NHANES, the fit produced by random forest is good.  </a:t>
-            </a:r>
-          </a:p>
-          <a:p>
-            <a:pPr lvl="1"/>
-            <a:r>
-              <a:rPr lang="en-US" dirty="0">
+              <a:t>Step 1: Predict a Blood Pressure </a:t>
+            </a:r>
+          </a:p>
+          <a:p>
+            <a:r>
+              <a:rPr lang="en-US" sz="3200" dirty="0">
                 <a:solidFill>
                   <a:schemeClr val="tx1"/>
                 </a:solidFill>
               </a:rPr>
-              <a:t>On average only off by 5 mmHg.  </a:t>
-            </a:r>
-          </a:p>
-        </p:txBody>
-      </p:sp>
-      <p:grpSp>
-        <p:nvGrpSpPr>
-          <p:cNvPr id="17" name="Group 16">
-            <a:extLst>
-              <a:ext uri="{FF2B5EF4-FFF2-40B4-BE49-F238E27FC236}">
-                <a16:creationId xmlns:a16="http://schemas.microsoft.com/office/drawing/2014/main" id="{ADDE2C3E-3205-470A-BD3C-E856A8E21FC0}"/>
-              </a:ext>
-              <a:ext uri="{C183D7F6-B498-43B3-948B-1728B52AA6E4}">
-                <adec:decorative xmlns:adec="http://schemas.microsoft.com/office/drawing/2017/decorative" val="1"/>
-              </a:ext>
-            </a:extLst>
-          </p:cNvPr>
-          <p:cNvGrpSpPr>
-            <a:grpSpLocks noGrp="1" noUngrp="1" noRot="1" noChangeAspect="1" noMove="1" noResize="1"/>
-          </p:cNvGrpSpPr>
-          <p:nvPr>
-            <p:extLst>
-              <p:ext uri="{386F3935-93C4-4BCD-93E2-E3B085C9AB24}">
-                <p16:designElem xmlns:p16="http://schemas.microsoft.com/office/powerpoint/2015/main" val="1"/>
-              </p:ext>
-            </p:extLst>
-          </p:nvPr>
-        </p:nvGrpSpPr>
-        <p:grpSpPr>
-          <a:xfrm>
-            <a:off x="9206969" y="2963333"/>
-            <a:ext cx="2981858" cy="3208867"/>
-            <a:chOff x="9206969" y="2963333"/>
-            <a:chExt cx="2981858" cy="3208867"/>
-          </a:xfrm>
-        </p:grpSpPr>
-        <p:cxnSp>
-          <p:nvCxnSpPr>
-            <p:cNvPr id="18" name="Straight Connector 17">
-              <a:extLst>
-                <a:ext uri="{FF2B5EF4-FFF2-40B4-BE49-F238E27FC236}">
-                  <a16:creationId xmlns:a16="http://schemas.microsoft.com/office/drawing/2014/main" id="{69FA431E-B32D-412B-8EE8-27BFACD9B965}"/>
-                </a:ext>
-                <a:ext uri="{C183D7F6-B498-43B3-948B-1728B52AA6E4}">
-                  <adec:decorative xmlns:adec="http://schemas.microsoft.com/office/drawing/2017/decorative" val="1"/>
-                </a:ext>
-              </a:extLst>
-            </p:cNvPr>
-            <p:cNvCxnSpPr/>
-            <p:nvPr>
-              <p:extLst>
-                <p:ext uri="{386F3935-93C4-4BCD-93E2-E3B085C9AB24}">
-                  <p16:designElem xmlns:p16="http://schemas.microsoft.com/office/powerpoint/2015/main" val="1"/>
-                </p:ext>
-              </p:extLst>
-            </p:nvPr>
-          </p:nvCxnSpPr>
-          <p:spPr>
-            <a:xfrm flipH="1">
-              <a:off x="11276012" y="2963333"/>
-              <a:ext cx="912814" cy="912812"/>
-            </a:xfrm>
-            <a:prstGeom prst="line">
-              <a:avLst/>
-            </a:prstGeom>
-            <a:ln w="9525">
-              <a:solidFill>
-                <a:schemeClr val="tx1"/>
-              </a:solidFill>
-            </a:ln>
-          </p:spPr>
-          <p:style>
-            <a:lnRef idx="2">
-              <a:schemeClr val="accent1"/>
-            </a:lnRef>
-            <a:fillRef idx="0">
-              <a:schemeClr val="accent1"/>
-            </a:fillRef>
-            <a:effectRef idx="1">
-              <a:schemeClr val="accent1"/>
-            </a:effectRef>
-            <a:fontRef idx="minor">
-              <a:schemeClr val="tx1"/>
-            </a:fontRef>
-          </p:style>
-        </p:cxnSp>
-        <p:cxnSp>
-          <p:nvCxnSpPr>
-            <p:cNvPr id="19" name="Straight Connector 18">
-              <a:extLst>
-                <a:ext uri="{FF2B5EF4-FFF2-40B4-BE49-F238E27FC236}">
-                  <a16:creationId xmlns:a16="http://schemas.microsoft.com/office/drawing/2014/main" id="{7F1AC587-B106-44DD-92F0-2DCA0B700D52}"/>
-                </a:ext>
-                <a:ext uri="{C183D7F6-B498-43B3-948B-1728B52AA6E4}">
-                  <adec:decorative xmlns:adec="http://schemas.microsoft.com/office/drawing/2017/decorative" val="1"/>
-                </a:ext>
-              </a:extLst>
-            </p:cNvPr>
-            <p:cNvCxnSpPr/>
-            <p:nvPr>
-              <p:extLst>
-                <p:ext uri="{386F3935-93C4-4BCD-93E2-E3B085C9AB24}">
-                  <p16:designElem xmlns:p16="http://schemas.microsoft.com/office/powerpoint/2015/main" val="1"/>
-                </p:ext>
-              </p:extLst>
-            </p:nvPr>
-          </p:nvCxnSpPr>
-          <p:spPr>
-            <a:xfrm flipH="1">
-              <a:off x="9206969" y="3190344"/>
-              <a:ext cx="2981857" cy="2981856"/>
-            </a:xfrm>
-            <a:prstGeom prst="line">
-              <a:avLst/>
-            </a:prstGeom>
-            <a:ln w="9525">
-              <a:solidFill>
-                <a:schemeClr val="tx1"/>
-              </a:solidFill>
-            </a:ln>
-          </p:spPr>
-          <p:style>
-            <a:lnRef idx="2">
-              <a:schemeClr val="accent1"/>
-            </a:lnRef>
-            <a:fillRef idx="0">
-              <a:schemeClr val="accent1"/>
-            </a:fillRef>
-            <a:effectRef idx="1">
-              <a:schemeClr val="accent1"/>
-            </a:effectRef>
-            <a:fontRef idx="minor">
-              <a:schemeClr val="tx1"/>
-            </a:fontRef>
-          </p:style>
-        </p:cxnSp>
-        <p:cxnSp>
-          <p:nvCxnSpPr>
-            <p:cNvPr id="20" name="Straight Connector 19">
-              <a:extLst>
-                <a:ext uri="{FF2B5EF4-FFF2-40B4-BE49-F238E27FC236}">
-                  <a16:creationId xmlns:a16="http://schemas.microsoft.com/office/drawing/2014/main" id="{CFFBA5D3-FE61-4D23-AB2F-EC12CE5A6C94}"/>
-                </a:ext>
-                <a:ext uri="{C183D7F6-B498-43B3-948B-1728B52AA6E4}">
-                  <adec:decorative xmlns:adec="http://schemas.microsoft.com/office/drawing/2017/decorative" val="1"/>
-                </a:ext>
-              </a:extLst>
-            </p:cNvPr>
-            <p:cNvCxnSpPr/>
-            <p:nvPr>
-              <p:extLst>
-                <p:ext uri="{386F3935-93C4-4BCD-93E2-E3B085C9AB24}">
-                  <p16:designElem xmlns:p16="http://schemas.microsoft.com/office/powerpoint/2015/main" val="1"/>
-                </p:ext>
-              </p:extLst>
-            </p:nvPr>
-          </p:nvCxnSpPr>
-          <p:spPr>
-            <a:xfrm flipH="1">
-              <a:off x="10292292" y="3285067"/>
-              <a:ext cx="1896534" cy="1896533"/>
-            </a:xfrm>
-            <a:prstGeom prst="line">
-              <a:avLst/>
-            </a:prstGeom>
-            <a:ln w="9525">
-              <a:solidFill>
-                <a:schemeClr val="tx1"/>
-              </a:solidFill>
-            </a:ln>
-          </p:spPr>
-          <p:style>
-            <a:lnRef idx="2">
-              <a:schemeClr val="accent1"/>
-            </a:lnRef>
-            <a:fillRef idx="0">
-              <a:schemeClr val="accent1"/>
-            </a:fillRef>
-            <a:effectRef idx="1">
-              <a:schemeClr val="accent1"/>
-            </a:effectRef>
-            <a:fontRef idx="minor">
-              <a:schemeClr val="tx1"/>
-            </a:fontRef>
-          </p:style>
-        </p:cxnSp>
-        <p:cxnSp>
-          <p:nvCxnSpPr>
-            <p:cNvPr id="21" name="Straight Connector 20">
-              <a:extLst>
-                <a:ext uri="{FF2B5EF4-FFF2-40B4-BE49-F238E27FC236}">
-                  <a16:creationId xmlns:a16="http://schemas.microsoft.com/office/drawing/2014/main" id="{DA661ABF-E2D0-44E1-9762-393FF470A428}"/>
-                </a:ext>
-                <a:ext uri="{C183D7F6-B498-43B3-948B-1728B52AA6E4}">
-                  <adec:decorative xmlns:adec="http://schemas.microsoft.com/office/drawing/2017/decorative" val="1"/>
-                </a:ext>
-              </a:extLst>
-            </p:cNvPr>
-            <p:cNvCxnSpPr/>
-            <p:nvPr>
-              <p:extLst>
-                <p:ext uri="{386F3935-93C4-4BCD-93E2-E3B085C9AB24}">
-                  <p16:designElem xmlns:p16="http://schemas.microsoft.com/office/powerpoint/2015/main" val="1"/>
-                </p:ext>
-              </p:extLst>
-            </p:nvPr>
-          </p:nvCxnSpPr>
-          <p:spPr>
-            <a:xfrm flipH="1">
-              <a:off x="10443103" y="3131080"/>
-              <a:ext cx="1745722" cy="1745720"/>
-            </a:xfrm>
-            <a:prstGeom prst="line">
-              <a:avLst/>
-            </a:prstGeom>
-            <a:ln w="28575">
-              <a:solidFill>
-                <a:schemeClr val="tx1"/>
-              </a:solidFill>
-            </a:ln>
-          </p:spPr>
-          <p:style>
-            <a:lnRef idx="2">
-              <a:schemeClr val="accent1"/>
-            </a:lnRef>
-            <a:fillRef idx="0">
-              <a:schemeClr val="accent1"/>
-            </a:fillRef>
-            <a:effectRef idx="1">
-              <a:schemeClr val="accent1"/>
-            </a:effectRef>
-            <a:fontRef idx="minor">
-              <a:schemeClr val="tx1"/>
-            </a:fontRef>
-          </p:style>
-        </p:cxnSp>
-        <p:cxnSp>
-          <p:nvCxnSpPr>
-            <p:cNvPr id="22" name="Straight Connector 21">
-              <a:extLst>
-                <a:ext uri="{FF2B5EF4-FFF2-40B4-BE49-F238E27FC236}">
-                  <a16:creationId xmlns:a16="http://schemas.microsoft.com/office/drawing/2014/main" id="{F0F6BF17-560A-4388-83EB-CD5FABE5DE58}"/>
-                </a:ext>
-                <a:ext uri="{C183D7F6-B498-43B3-948B-1728B52AA6E4}">
-                  <adec:decorative xmlns:adec="http://schemas.microsoft.com/office/drawing/2017/decorative" val="1"/>
-                </a:ext>
-              </a:extLst>
-            </p:cNvPr>
-            <p:cNvCxnSpPr/>
-            <p:nvPr>
-              <p:extLst>
-                <p:ext uri="{386F3935-93C4-4BCD-93E2-E3B085C9AB24}">
-                  <p16:designElem xmlns:p16="http://schemas.microsoft.com/office/powerpoint/2015/main" val="1"/>
-                </p:ext>
-              </p:extLst>
-            </p:nvPr>
-          </p:nvCxnSpPr>
-          <p:spPr>
-            <a:xfrm flipH="1">
-              <a:off x="10918826" y="3683001"/>
-              <a:ext cx="1270001" cy="1269999"/>
-            </a:xfrm>
-            <a:prstGeom prst="line">
-              <a:avLst/>
-            </a:prstGeom>
-            <a:ln w="28575">
-              <a:solidFill>
-                <a:schemeClr val="tx1"/>
-              </a:solidFill>
-            </a:ln>
-          </p:spPr>
-          <p:style>
-            <a:lnRef idx="2">
-              <a:schemeClr val="accent1"/>
-            </a:lnRef>
-            <a:fillRef idx="0">
-              <a:schemeClr val="accent1"/>
-            </a:fillRef>
-            <a:effectRef idx="1">
-              <a:schemeClr val="accent1"/>
-            </a:effectRef>
-            <a:fontRef idx="minor">
-              <a:schemeClr val="tx1"/>
-            </a:fontRef>
-          </p:style>
-        </p:cxnSp>
-      </p:grpSp>
+              <a:t>Step 2: Compare an Observed Blood Pressure to the Predicted (Outlier Prediction) </a:t>
+            </a:r>
+          </a:p>
+          <a:p>
+            <a:r>
+              <a:rPr lang="en-US" sz="3200" dirty="0">
+                <a:solidFill>
+                  <a:schemeClr val="tx1"/>
+                </a:solidFill>
+              </a:rPr>
+              <a:t>Step 3: Design the Tool</a:t>
+            </a:r>
+          </a:p>
+        </p:txBody>
+      </p:sp>
     </p:spTree>
     <p:extLst>
       <p:ext uri="{BB962C8B-B14F-4D97-AF65-F5344CB8AC3E}">
-        <p14:creationId xmlns:p14="http://schemas.microsoft.com/office/powerpoint/2010/main" val="2060263540"/>
+        <p14:creationId xmlns:p14="http://schemas.microsoft.com/office/powerpoint/2010/main" val="73936450"/>
       </p:ext>
     </p:extLst>
   </p:cSld>
@@ -6742,7 +8164,7 @@
           <p:cNvPr id="2" name="Title 1">
             <a:extLst>
               <a:ext uri="{FF2B5EF4-FFF2-40B4-BE49-F238E27FC236}">
-                <a16:creationId xmlns:a16="http://schemas.microsoft.com/office/drawing/2014/main" id="{68E6238C-2C28-49E2-827F-88C2065DFABA}"/>
+                <a16:creationId xmlns:a16="http://schemas.microsoft.com/office/drawing/2014/main" id="{150F9E3D-BC50-472A-8D1F-1C65671AB303}"/>
               </a:ext>
             </a:extLst>
           </p:cNvPr>
@@ -6755,17 +8177,19 @@
         </p:nvSpPr>
         <p:spPr>
           <a:xfrm>
-            <a:off x="684212" y="685800"/>
+            <a:off x="684212" y="288194"/>
             <a:ext cx="8534400" cy="1507067"/>
           </a:xfrm>
         </p:spPr>
         <p:txBody>
-          <a:bodyPr/>
+          <a:bodyPr>
+            <a:normAutofit fontScale="90000"/>
+          </a:bodyPr>
           <a:lstStyle/>
           <a:p>
             <a:r>
               <a:rPr lang="en-US" dirty="0"/>
-              <a:t>Discussion </a:t>
+              <a:t>Data: National Health and Nutrition Examination Survey (NHANES)   </a:t>
             </a:r>
           </a:p>
         </p:txBody>
@@ -6775,7 +8199,7 @@
           <p:cNvPr id="3" name="Content Placeholder 2">
             <a:extLst>
               <a:ext uri="{FF2B5EF4-FFF2-40B4-BE49-F238E27FC236}">
-                <a16:creationId xmlns:a16="http://schemas.microsoft.com/office/drawing/2014/main" id="{FBB03B46-15F4-440E-B6E7-F737D8CB7167}"/>
+                <a16:creationId xmlns:a16="http://schemas.microsoft.com/office/drawing/2014/main" id="{FED70AE8-153E-4BE2-BE04-E0F4E856D40A}"/>
               </a:ext>
             </a:extLst>
           </p:cNvPr>
@@ -6788,42 +8212,41 @@
         </p:nvSpPr>
         <p:spPr>
           <a:xfrm>
-            <a:off x="684212" y="2192867"/>
+            <a:off x="684212" y="1795261"/>
             <a:ext cx="8534400" cy="3615267"/>
           </a:xfrm>
         </p:spPr>
         <p:txBody>
-          <a:bodyPr/>
-          <a:lstStyle/>
-          <a:p>
-            <a:r>
-              <a:rPr lang="en-US" dirty="0">
+          <a:bodyPr>
+            <a:normAutofit/>
+          </a:bodyPr>
+          <a:lstStyle/>
+          <a:p>
+            <a:r>
+              <a:rPr lang="en-US" sz="3200" dirty="0">
                 <a:solidFill>
                   <a:schemeClr val="tx1"/>
                 </a:solidFill>
               </a:rPr>
-              <a:t>Is it feasible in practice?</a:t>
-            </a:r>
-          </a:p>
-          <a:p>
-            <a:r>
-              <a:rPr lang="en-US" dirty="0">
+              <a:t>Program of studies designed to assess the health and nutritional status of adults in the United States. </a:t>
+            </a:r>
+          </a:p>
+          <a:p>
+            <a:r>
+              <a:rPr lang="en-US" sz="3200" dirty="0">
                 <a:solidFill>
                   <a:schemeClr val="tx1"/>
                 </a:solidFill>
               </a:rPr>
-              <a:t>Proof of concept for how we might re-think application of technology to problems in public health. </a:t>
-            </a:r>
-          </a:p>
-          <a:p>
-            <a:endParaRPr lang="en-US" dirty="0"/>
+              <a:t>Cohort study on a bi-yearly basis since 1999. </a:t>
+            </a:r>
           </a:p>
         </p:txBody>
       </p:sp>
     </p:spTree>
     <p:extLst>
       <p:ext uri="{BB962C8B-B14F-4D97-AF65-F5344CB8AC3E}">
-        <p14:creationId xmlns:p14="http://schemas.microsoft.com/office/powerpoint/2010/main" val="158600556"/>
+        <p14:creationId xmlns:p14="http://schemas.microsoft.com/office/powerpoint/2010/main" val="3053572612"/>
       </p:ext>
     </p:extLst>
   </p:cSld>
@@ -6855,7 +8278,7 @@
           <p:cNvPr id="2" name="Title 1">
             <a:extLst>
               <a:ext uri="{FF2B5EF4-FFF2-40B4-BE49-F238E27FC236}">
-                <a16:creationId xmlns:a16="http://schemas.microsoft.com/office/drawing/2014/main" id="{12F84B21-374B-4959-B871-74DC31D3AD90}"/>
+                <a16:creationId xmlns:a16="http://schemas.microsoft.com/office/drawing/2014/main" id="{8780968E-2EBE-468B-A06F-14208A462169}"/>
               </a:ext>
             </a:extLst>
           </p:cNvPr>
@@ -6863,12 +8286,72 @@
             <a:spLocks noGrp="1"/>
           </p:cNvSpPr>
           <p:nvPr>
+            <p:ph type="ctrTitle"/>
+          </p:nvPr>
+        </p:nvSpPr>
+        <p:spPr/>
+        <p:txBody>
+          <a:bodyPr>
+            <a:normAutofit/>
+          </a:bodyPr>
+          <a:lstStyle/>
+          <a:p>
+            <a:r>
+              <a:rPr lang="en-US" sz="5400" dirty="0"/>
+              <a:t>Prediction</a:t>
+            </a:r>
+          </a:p>
+        </p:txBody>
+      </p:sp>
+    </p:spTree>
+    <p:extLst>
+      <p:ext uri="{BB962C8B-B14F-4D97-AF65-F5344CB8AC3E}">
+        <p14:creationId xmlns:p14="http://schemas.microsoft.com/office/powerpoint/2010/main" val="1228964927"/>
+      </p:ext>
+    </p:extLst>
+  </p:cSld>
+  <p:clrMapOvr>
+    <a:masterClrMapping/>
+  </p:clrMapOvr>
+</p:sld>
+</file>
+
+<file path=ppt/slides/slide9.xml><?xml version="1.0" encoding="utf-8"?>
+<p:sld xmlns:a="http://schemas.openxmlformats.org/drawingml/2006/main" xmlns:r="http://schemas.openxmlformats.org/officeDocument/2006/relationships" xmlns:p="http://schemas.openxmlformats.org/presentationml/2006/main">
+  <p:cSld>
+    <p:spTree>
+      <p:nvGrpSpPr>
+        <p:cNvPr id="1" name=""/>
+        <p:cNvGrpSpPr/>
+        <p:nvPr/>
+      </p:nvGrpSpPr>
+      <p:grpSpPr>
+        <a:xfrm>
+          <a:off x="0" y="0"/>
+          <a:ext cx="0" cy="0"/>
+          <a:chOff x="0" y="0"/>
+          <a:chExt cx="0" cy="0"/>
+        </a:xfrm>
+      </p:grpSpPr>
+      <p:sp>
+        <p:nvSpPr>
+          <p:cNvPr id="2" name="Title 1">
+            <a:extLst>
+              <a:ext uri="{FF2B5EF4-FFF2-40B4-BE49-F238E27FC236}">
+                <a16:creationId xmlns:a16="http://schemas.microsoft.com/office/drawing/2014/main" id="{9597B50B-155B-41A6-AF1B-346E2C510BE2}"/>
+              </a:ext>
+            </a:extLst>
+          </p:cNvPr>
+          <p:cNvSpPr>
+            <a:spLocks noGrp="1"/>
+          </p:cNvSpPr>
+          <p:nvPr>
             <p:ph type="title"/>
           </p:nvPr>
         </p:nvSpPr>
         <p:spPr>
           <a:xfrm>
-            <a:off x="684212" y="483503"/>
+            <a:off x="745360" y="250557"/>
             <a:ext cx="8534400" cy="1507067"/>
           </a:xfrm>
         </p:spPr>
@@ -6878,379 +8361,62 @@
           <a:p>
             <a:r>
               <a:rPr lang="en-US" dirty="0"/>
-              <a:t>Work cited </a:t>
-            </a:r>
-          </a:p>
-        </p:txBody>
-      </p:sp>
-      <p:sp>
-        <p:nvSpPr>
-          <p:cNvPr id="3" name="Content Placeholder 2">
+              <a:t>Prediction: Comparison </a:t>
+            </a:r>
+          </a:p>
+        </p:txBody>
+      </p:sp>
+      <p:pic>
+        <p:nvPicPr>
+          <p:cNvPr id="2050" name="Picture 2" descr="https://www.mathworks.com/help/examples/stats/win64/CompareMahalanobisAndSquaredEuclideanDistancesExample_01.png">
             <a:extLst>
               <a:ext uri="{FF2B5EF4-FFF2-40B4-BE49-F238E27FC236}">
-                <a16:creationId xmlns:a16="http://schemas.microsoft.com/office/drawing/2014/main" id="{76F3B720-4B2F-45C4-B0CD-F6CD9873B54B}"/>
+                <a16:creationId xmlns:a16="http://schemas.microsoft.com/office/drawing/2014/main" id="{35D6D29F-3E20-4446-9D9A-2906DE076499}"/>
               </a:ext>
             </a:extLst>
           </p:cNvPr>
-          <p:cNvSpPr>
-            <a:spLocks noGrp="1"/>
-          </p:cNvSpPr>
-          <p:nvPr>
-            <p:ph idx="1"/>
-          </p:nvPr>
-        </p:nvSpPr>
-        <p:spPr>
+          <p:cNvPicPr>
+            <a:picLocks noChangeAspect="1" noChangeArrowheads="1"/>
+          </p:cNvPicPr>
+          <p:nvPr/>
+        </p:nvPicPr>
+        <p:blipFill>
+          <a:blip r:embed="rId2">
+            <a:extLst>
+              <a:ext uri="{28A0092B-C50C-407E-A947-70E740481C1C}">
+                <a14:useLocalDpi xmlns:a14="http://schemas.microsoft.com/office/drawing/2010/main" val="0"/>
+              </a:ext>
+            </a:extLst>
+          </a:blip>
+          <a:srcRect/>
+          <a:stretch>
+            <a:fillRect/>
+          </a:stretch>
+        </p:blipFill>
+        <p:spPr bwMode="auto">
           <a:xfrm>
-            <a:off x="630315" y="1990570"/>
-            <a:ext cx="8534400" cy="3615267"/>
+            <a:off x="1678399" y="1506876"/>
+            <a:ext cx="6668323" cy="4998382"/>
           </a:xfrm>
+          <a:prstGeom prst="rect">
+            <a:avLst/>
+          </a:prstGeom>
+          <a:noFill/>
+          <a:extLst>
+            <a:ext uri="{909E8E84-426E-40DD-AFC4-6F175D3DCCD1}">
+              <a14:hiddenFill xmlns:a14="http://schemas.microsoft.com/office/drawing/2010/main">
+                <a:solidFill>
+                  <a:srgbClr val="FFFFFF"/>
+                </a:solidFill>
+              </a14:hiddenFill>
+            </a:ext>
+          </a:extLst>
         </p:spPr>
-        <p:txBody>
-          <a:bodyPr>
-            <a:normAutofit fontScale="55000" lnSpcReduction="20000"/>
-          </a:bodyPr>
-          <a:lstStyle/>
-          <a:p>
-            <a:pPr lvl="0"/>
-            <a:r>
-              <a:rPr lang="en-US" dirty="0">
-                <a:solidFill>
-                  <a:schemeClr val="tx1"/>
-                </a:solidFill>
-              </a:rPr>
-              <a:t>Angell, S. Y., De Cock, K. M., &amp; Frieden, T. R. (2015). A public health approach to global management of hypertension. </a:t>
-            </a:r>
-            <a:r>
-              <a:rPr lang="en-US" i="1" dirty="0">
-                <a:solidFill>
-                  <a:schemeClr val="tx1"/>
-                </a:solidFill>
-              </a:rPr>
-              <a:t>The Lancet</a:t>
-            </a:r>
-            <a:r>
-              <a:rPr lang="en-US" dirty="0">
-                <a:solidFill>
-                  <a:schemeClr val="tx1"/>
-                </a:solidFill>
-              </a:rPr>
-              <a:t>, </a:t>
-            </a:r>
-            <a:r>
-              <a:rPr lang="en-US" i="1" dirty="0">
-                <a:solidFill>
-                  <a:schemeClr val="tx1"/>
-                </a:solidFill>
-              </a:rPr>
-              <a:t>385</a:t>
-            </a:r>
-            <a:r>
-              <a:rPr lang="en-US" dirty="0">
-                <a:solidFill>
-                  <a:schemeClr val="tx1"/>
-                </a:solidFill>
-              </a:rPr>
-              <a:t>(9970), 825-827.</a:t>
-            </a:r>
-          </a:p>
-          <a:p>
-            <a:pPr lvl="0"/>
-            <a:r>
-              <a:rPr lang="en-US" dirty="0">
-                <a:solidFill>
-                  <a:schemeClr val="tx1"/>
-                </a:solidFill>
-              </a:rPr>
-              <a:t>Whelton, P. K., Carey, R. M., </a:t>
-            </a:r>
-            <a:r>
-              <a:rPr lang="en-US" dirty="0" err="1">
-                <a:solidFill>
-                  <a:schemeClr val="tx1"/>
-                </a:solidFill>
-              </a:rPr>
-              <a:t>Aronow</a:t>
-            </a:r>
-            <a:r>
-              <a:rPr lang="en-US" dirty="0">
-                <a:solidFill>
-                  <a:schemeClr val="tx1"/>
-                </a:solidFill>
-              </a:rPr>
-              <a:t>, W. S., Casey, D. E., Collins, K. J., Himmelfarb, C. D., ... &amp; </a:t>
-            </a:r>
-            <a:r>
-              <a:rPr lang="en-US" dirty="0" err="1">
-                <a:solidFill>
-                  <a:schemeClr val="tx1"/>
-                </a:solidFill>
-              </a:rPr>
-              <a:t>MacLaughlin</a:t>
-            </a:r>
-            <a:r>
-              <a:rPr lang="en-US" dirty="0">
-                <a:solidFill>
-                  <a:schemeClr val="tx1"/>
-                </a:solidFill>
-              </a:rPr>
-              <a:t>, E. J. (2018). 2017 ACC/AHA/AAPA/ABC/ACPM/AGS/</a:t>
-            </a:r>
-            <a:r>
-              <a:rPr lang="en-US" dirty="0" err="1">
-                <a:solidFill>
-                  <a:schemeClr val="tx1"/>
-                </a:solidFill>
-              </a:rPr>
-              <a:t>APhA</a:t>
-            </a:r>
-            <a:r>
-              <a:rPr lang="en-US" dirty="0">
-                <a:solidFill>
-                  <a:schemeClr val="tx1"/>
-                </a:solidFill>
-              </a:rPr>
-              <a:t>/ASH/ASPC/NMA/PCNA guideline for the prevention, detection, evaluation, and management of high blood pressure in adults: a report of the American College of Cardiology/American Heart Association Task Force on Clinical Practice Guidelines. </a:t>
-            </a:r>
-            <a:r>
-              <a:rPr lang="en-US" i="1" dirty="0">
-                <a:solidFill>
-                  <a:schemeClr val="tx1"/>
-                </a:solidFill>
-              </a:rPr>
-              <a:t>Journal of the American College of Cardiology</a:t>
-            </a:r>
-            <a:r>
-              <a:rPr lang="en-US" dirty="0">
-                <a:solidFill>
-                  <a:schemeClr val="tx1"/>
-                </a:solidFill>
-              </a:rPr>
-              <a:t>, </a:t>
-            </a:r>
-            <a:r>
-              <a:rPr lang="en-US" i="1" dirty="0">
-                <a:solidFill>
-                  <a:schemeClr val="tx1"/>
-                </a:solidFill>
-              </a:rPr>
-              <a:t>71</a:t>
-            </a:r>
-            <a:r>
-              <a:rPr lang="en-US" dirty="0">
-                <a:solidFill>
-                  <a:schemeClr val="tx1"/>
-                </a:solidFill>
-              </a:rPr>
-              <a:t>(19), e127-e248.</a:t>
-            </a:r>
-          </a:p>
-          <a:p>
-            <a:pPr lvl="0"/>
-            <a:r>
-              <a:rPr lang="en-US" dirty="0">
-                <a:solidFill>
-                  <a:schemeClr val="tx1"/>
-                </a:solidFill>
-              </a:rPr>
-              <a:t>Harris, J. K., Beatty, K., </a:t>
-            </a:r>
-            <a:r>
-              <a:rPr lang="en-US" dirty="0" err="1">
-                <a:solidFill>
-                  <a:schemeClr val="tx1"/>
-                </a:solidFill>
-              </a:rPr>
-              <a:t>Leider</a:t>
-            </a:r>
-            <a:r>
-              <a:rPr lang="en-US" dirty="0">
-                <a:solidFill>
-                  <a:schemeClr val="tx1"/>
-                </a:solidFill>
-              </a:rPr>
-              <a:t>, J. P., Knudson, A., Anderson, B. L., &amp; </a:t>
-            </a:r>
-            <a:r>
-              <a:rPr lang="en-US" dirty="0" err="1">
-                <a:solidFill>
-                  <a:schemeClr val="tx1"/>
-                </a:solidFill>
-              </a:rPr>
-              <a:t>Meit</a:t>
-            </a:r>
-            <a:r>
-              <a:rPr lang="en-US" dirty="0">
-                <a:solidFill>
-                  <a:schemeClr val="tx1"/>
-                </a:solidFill>
-              </a:rPr>
-              <a:t>, M. (2016). The double disparity facing rural local health departments. </a:t>
-            </a:r>
-            <a:r>
-              <a:rPr lang="en-US" i="1" dirty="0">
-                <a:solidFill>
-                  <a:schemeClr val="tx1"/>
-                </a:solidFill>
-              </a:rPr>
-              <a:t>Annual review of public health</a:t>
-            </a:r>
-            <a:r>
-              <a:rPr lang="en-US" dirty="0">
-                <a:solidFill>
-                  <a:schemeClr val="tx1"/>
-                </a:solidFill>
-              </a:rPr>
-              <a:t>, </a:t>
-            </a:r>
-            <a:r>
-              <a:rPr lang="en-US" i="1" dirty="0">
-                <a:solidFill>
-                  <a:schemeClr val="tx1"/>
-                </a:solidFill>
-              </a:rPr>
-              <a:t>37</a:t>
-            </a:r>
-            <a:r>
-              <a:rPr lang="en-US" dirty="0">
-                <a:solidFill>
-                  <a:schemeClr val="tx1"/>
-                </a:solidFill>
-              </a:rPr>
-              <a:t>, 167-184.</a:t>
-            </a:r>
-          </a:p>
-          <a:p>
-            <a:pPr lvl="0"/>
-            <a:r>
-              <a:rPr lang="en-US" dirty="0">
-                <a:solidFill>
-                  <a:schemeClr val="tx1"/>
-                </a:solidFill>
-              </a:rPr>
-              <a:t>Golino, H. F., Amaral, L. S. D. B., Duarte, S. F. P., Gomes, C. M. A., Soares, T. D. J., Reis, L. A. D., &amp; Santos, J. (2014). Predicting increased blood pressure using machine learning. Journal of obesity, 2014.</a:t>
-            </a:r>
-          </a:p>
-          <a:p>
-            <a:pPr lvl="0"/>
-            <a:r>
-              <a:rPr lang="en-US" dirty="0">
-                <a:solidFill>
-                  <a:schemeClr val="tx1"/>
-                </a:solidFill>
-              </a:rPr>
-              <a:t>Centers for Disease Control and Prevention (CDC). (2019). National Health and Nutrition Examination Survey Questionnaire (NHANES). U.S. Department of Health and Human Services, Centers for Disease Control and Prevention. </a:t>
-            </a:r>
-            <a:r>
-              <a:rPr lang="en-US" u="sng" dirty="0">
-                <a:solidFill>
-                  <a:schemeClr val="tx1"/>
-                </a:solidFill>
-                <a:hlinkClick r:id="rId2">
-                  <a:extLst>
-                    <a:ext uri="{A12FA001-AC4F-418D-AE19-62706E023703}">
-                      <ahyp:hlinkClr xmlns:ahyp="http://schemas.microsoft.com/office/drawing/2018/hyperlinkcolor" val="tx"/>
-                    </a:ext>
-                  </a:extLst>
-                </a:hlinkClick>
-              </a:rPr>
-              <a:t>https://wwwn.cdc.gov/nchs/nhanes/Default.aspx</a:t>
-            </a:r>
-            <a:r>
-              <a:rPr lang="en-US" dirty="0">
-                <a:solidFill>
-                  <a:schemeClr val="tx1"/>
-                </a:solidFill>
-              </a:rPr>
-              <a:t>.</a:t>
-            </a:r>
-          </a:p>
-          <a:p>
-            <a:r>
-              <a:rPr lang="en-US" dirty="0">
-                <a:solidFill>
-                  <a:schemeClr val="tx1"/>
-                </a:solidFill>
-                <a:hlinkClick r:id="rId3">
-                  <a:extLst>
-                    <a:ext uri="{A12FA001-AC4F-418D-AE19-62706E023703}">
-                      <ahyp:hlinkClr xmlns:ahyp="http://schemas.microsoft.com/office/drawing/2018/hyperlinkcolor" val="tx"/>
-                    </a:ext>
-                  </a:extLst>
-                </a:hlinkClick>
-              </a:rPr>
-              <a:t>https://www.getqardio.com/healthy-heart-blog/monitoring-blood-pressure-home/</a:t>
-            </a:r>
-            <a:r>
-              <a:rPr lang="en-US" dirty="0">
-                <a:solidFill>
-                  <a:schemeClr val="tx1"/>
-                </a:solidFill>
-              </a:rPr>
-              <a:t> (2019). </a:t>
-            </a:r>
-          </a:p>
-          <a:p>
-            <a:r>
-              <a:rPr lang="en-US" dirty="0">
-                <a:solidFill>
-                  <a:schemeClr val="tx1"/>
-                </a:solidFill>
-                <a:hlinkClick r:id="rId4">
-                  <a:extLst>
-                    <a:ext uri="{A12FA001-AC4F-418D-AE19-62706E023703}">
-                      <ahyp:hlinkClr xmlns:ahyp="http://schemas.microsoft.com/office/drawing/2018/hyperlinkcolor" val="tx"/>
-                    </a:ext>
-                  </a:extLst>
-                </a:hlinkClick>
-              </a:rPr>
-              <a:t>https://today.mims.com/the-role-of-blood-pressure-devices-measurement-accuracy</a:t>
-            </a:r>
-            <a:r>
-              <a:rPr lang="en-US" dirty="0">
-                <a:solidFill>
-                  <a:schemeClr val="tx1"/>
-                </a:solidFill>
-              </a:rPr>
-              <a:t> (2019). </a:t>
-            </a:r>
-          </a:p>
-          <a:p>
-            <a:r>
-              <a:rPr lang="en-US" dirty="0">
-                <a:solidFill>
-                  <a:schemeClr val="tx1"/>
-                </a:solidFill>
-                <a:hlinkClick r:id="rId5">
-                  <a:extLst>
-                    <a:ext uri="{A12FA001-AC4F-418D-AE19-62706E023703}">
-                      <ahyp:hlinkClr xmlns:ahyp="http://schemas.microsoft.com/office/drawing/2018/hyperlinkcolor" val="tx"/>
-                    </a:ext>
-                  </a:extLst>
-                </a:hlinkClick>
-              </a:rPr>
-              <a:t>https://www.mayoclinic.org/diseases-conditions/high-blood-pressure/diagnosis-treatment/drc-20373417</a:t>
-            </a:r>
-            <a:r>
-              <a:rPr lang="en-US" dirty="0">
-                <a:solidFill>
-                  <a:schemeClr val="tx1"/>
-                </a:solidFill>
-              </a:rPr>
-              <a:t> (2019).</a:t>
-            </a:r>
-          </a:p>
-          <a:p>
-            <a:endParaRPr lang="en-US" dirty="0"/>
-          </a:p>
-          <a:p>
-            <a:endParaRPr lang="en-US" dirty="0"/>
-          </a:p>
-        </p:txBody>
-      </p:sp>
+      </p:pic>
     </p:spTree>
     <p:extLst>
       <p:ext uri="{BB962C8B-B14F-4D97-AF65-F5344CB8AC3E}">
-        <p14:creationId xmlns:p14="http://schemas.microsoft.com/office/powerpoint/2010/main" val="2299072436"/>
+        <p14:creationId xmlns:p14="http://schemas.microsoft.com/office/powerpoint/2010/main" val="4011840042"/>
       </p:ext>
     </p:extLst>
   </p:cSld>
